--- a/préliminaire/Leçon 1. Pensée Computationnelle dans les Activités Routinières/Leçon 1. Pensée Computationnelle dans les Activités Routinières.pptx
+++ b/préliminaire/Leçon 1. Pensée Computationnelle dans les Activités Routinières/Leçon 1. Pensée Computationnelle dans les Activités Routinières.pptx
@@ -5,113 +5,114 @@
     <p:sldMasterId id="2147483659" r:id="rId1"/>
   </p:sldMasterIdLst>
   <p:notesMasterIdLst>
-    <p:notesMasterId r:id="rId58"/>
+    <p:notesMasterId r:id="rId59"/>
   </p:notesMasterIdLst>
   <p:sldIdLst>
     <p:sldId id="256" r:id="rId2"/>
     <p:sldId id="307" r:id="rId3"/>
     <p:sldId id="309" r:id="rId4"/>
-    <p:sldId id="311" r:id="rId5"/>
-    <p:sldId id="308" r:id="rId6"/>
-    <p:sldId id="310" r:id="rId7"/>
-    <p:sldId id="257" r:id="rId8"/>
-    <p:sldId id="306" r:id="rId9"/>
-    <p:sldId id="258" r:id="rId10"/>
-    <p:sldId id="259" r:id="rId11"/>
-    <p:sldId id="260" r:id="rId12"/>
-    <p:sldId id="261" r:id="rId13"/>
-    <p:sldId id="262" r:id="rId14"/>
-    <p:sldId id="263" r:id="rId15"/>
-    <p:sldId id="264" r:id="rId16"/>
-    <p:sldId id="265" r:id="rId17"/>
-    <p:sldId id="266" r:id="rId18"/>
-    <p:sldId id="267" r:id="rId19"/>
-    <p:sldId id="268" r:id="rId20"/>
-    <p:sldId id="269" r:id="rId21"/>
-    <p:sldId id="270" r:id="rId22"/>
-    <p:sldId id="271" r:id="rId23"/>
-    <p:sldId id="272" r:id="rId24"/>
-    <p:sldId id="273" r:id="rId25"/>
-    <p:sldId id="274" r:id="rId26"/>
-    <p:sldId id="275" r:id="rId27"/>
-    <p:sldId id="276" r:id="rId28"/>
-    <p:sldId id="277" r:id="rId29"/>
-    <p:sldId id="278" r:id="rId30"/>
-    <p:sldId id="279" r:id="rId31"/>
-    <p:sldId id="280" r:id="rId32"/>
-    <p:sldId id="281" r:id="rId33"/>
-    <p:sldId id="282" r:id="rId34"/>
-    <p:sldId id="283" r:id="rId35"/>
-    <p:sldId id="284" r:id="rId36"/>
-    <p:sldId id="285" r:id="rId37"/>
-    <p:sldId id="286" r:id="rId38"/>
-    <p:sldId id="287" r:id="rId39"/>
-    <p:sldId id="288" r:id="rId40"/>
-    <p:sldId id="289" r:id="rId41"/>
-    <p:sldId id="290" r:id="rId42"/>
-    <p:sldId id="291" r:id="rId43"/>
-    <p:sldId id="292" r:id="rId44"/>
-    <p:sldId id="293" r:id="rId45"/>
-    <p:sldId id="294" r:id="rId46"/>
-    <p:sldId id="295" r:id="rId47"/>
-    <p:sldId id="296" r:id="rId48"/>
-    <p:sldId id="297" r:id="rId49"/>
-    <p:sldId id="298" r:id="rId50"/>
-    <p:sldId id="299" r:id="rId51"/>
-    <p:sldId id="300" r:id="rId52"/>
-    <p:sldId id="301" r:id="rId53"/>
-    <p:sldId id="302" r:id="rId54"/>
-    <p:sldId id="303" r:id="rId55"/>
-    <p:sldId id="304" r:id="rId56"/>
-    <p:sldId id="305" r:id="rId57"/>
+    <p:sldId id="312" r:id="rId5"/>
+    <p:sldId id="311" r:id="rId6"/>
+    <p:sldId id="308" r:id="rId7"/>
+    <p:sldId id="310" r:id="rId8"/>
+    <p:sldId id="257" r:id="rId9"/>
+    <p:sldId id="306" r:id="rId10"/>
+    <p:sldId id="258" r:id="rId11"/>
+    <p:sldId id="259" r:id="rId12"/>
+    <p:sldId id="260" r:id="rId13"/>
+    <p:sldId id="261" r:id="rId14"/>
+    <p:sldId id="262" r:id="rId15"/>
+    <p:sldId id="263" r:id="rId16"/>
+    <p:sldId id="264" r:id="rId17"/>
+    <p:sldId id="265" r:id="rId18"/>
+    <p:sldId id="266" r:id="rId19"/>
+    <p:sldId id="267" r:id="rId20"/>
+    <p:sldId id="268" r:id="rId21"/>
+    <p:sldId id="269" r:id="rId22"/>
+    <p:sldId id="270" r:id="rId23"/>
+    <p:sldId id="271" r:id="rId24"/>
+    <p:sldId id="272" r:id="rId25"/>
+    <p:sldId id="273" r:id="rId26"/>
+    <p:sldId id="274" r:id="rId27"/>
+    <p:sldId id="275" r:id="rId28"/>
+    <p:sldId id="276" r:id="rId29"/>
+    <p:sldId id="277" r:id="rId30"/>
+    <p:sldId id="278" r:id="rId31"/>
+    <p:sldId id="279" r:id="rId32"/>
+    <p:sldId id="280" r:id="rId33"/>
+    <p:sldId id="281" r:id="rId34"/>
+    <p:sldId id="282" r:id="rId35"/>
+    <p:sldId id="283" r:id="rId36"/>
+    <p:sldId id="284" r:id="rId37"/>
+    <p:sldId id="285" r:id="rId38"/>
+    <p:sldId id="286" r:id="rId39"/>
+    <p:sldId id="287" r:id="rId40"/>
+    <p:sldId id="288" r:id="rId41"/>
+    <p:sldId id="289" r:id="rId42"/>
+    <p:sldId id="290" r:id="rId43"/>
+    <p:sldId id="291" r:id="rId44"/>
+    <p:sldId id="292" r:id="rId45"/>
+    <p:sldId id="293" r:id="rId46"/>
+    <p:sldId id="294" r:id="rId47"/>
+    <p:sldId id="295" r:id="rId48"/>
+    <p:sldId id="296" r:id="rId49"/>
+    <p:sldId id="297" r:id="rId50"/>
+    <p:sldId id="298" r:id="rId51"/>
+    <p:sldId id="299" r:id="rId52"/>
+    <p:sldId id="300" r:id="rId53"/>
+    <p:sldId id="301" r:id="rId54"/>
+    <p:sldId id="302" r:id="rId55"/>
+    <p:sldId id="303" r:id="rId56"/>
+    <p:sldId id="304" r:id="rId57"/>
+    <p:sldId id="305" r:id="rId58"/>
   </p:sldIdLst>
   <p:sldSz cx="9144000" cy="5143500" type="screen16x9"/>
   <p:notesSz cx="6858000" cy="9144000"/>
   <p:embeddedFontLst>
     <p:embeddedFont>
       <p:font typeface="Consolas" panose="020B0609020204030204" pitchFamily="49" charset="0"/>
-      <p:regular r:id="rId59"/>
-      <p:bold r:id="rId60"/>
-      <p:italic r:id="rId61"/>
-      <p:boldItalic r:id="rId62"/>
+      <p:regular r:id="rId60"/>
+      <p:bold r:id="rId61"/>
+      <p:italic r:id="rId62"/>
+      <p:boldItalic r:id="rId63"/>
     </p:embeddedFont>
     <p:embeddedFont>
       <p:font typeface="Open Sans" pitchFamily="2" charset="0"/>
-      <p:regular r:id="rId63"/>
-      <p:bold r:id="rId64"/>
-      <p:italic r:id="rId65"/>
-      <p:boldItalic r:id="rId66"/>
+      <p:regular r:id="rId64"/>
+      <p:bold r:id="rId65"/>
+      <p:italic r:id="rId66"/>
+      <p:boldItalic r:id="rId67"/>
     </p:embeddedFont>
     <p:embeddedFont>
       <p:font typeface="Open Sans SemiBold" pitchFamily="2" charset="0"/>
-      <p:regular r:id="rId67"/>
-      <p:bold r:id="rId68"/>
-      <p:italic r:id="rId69"/>
-      <p:boldItalic r:id="rId70"/>
+      <p:regular r:id="rId68"/>
+      <p:bold r:id="rId69"/>
+      <p:italic r:id="rId70"/>
+      <p:boldItalic r:id="rId71"/>
     </p:embeddedFont>
     <p:embeddedFont>
       <p:font typeface="Oswald" pitchFamily="2" charset="0"/>
-      <p:regular r:id="rId71"/>
-      <p:bold r:id="rId72"/>
+      <p:regular r:id="rId72"/>
+      <p:bold r:id="rId73"/>
     </p:embeddedFont>
     <p:embeddedFont>
       <p:font typeface="Oswald Medium" pitchFamily="2" charset="0"/>
-      <p:regular r:id="rId73"/>
-      <p:bold r:id="rId74"/>
+      <p:regular r:id="rId74"/>
+      <p:bold r:id="rId75"/>
     </p:embeddedFont>
     <p:embeddedFont>
       <p:font typeface="Rubik" pitchFamily="2" charset="-79"/>
-      <p:regular r:id="rId75"/>
-      <p:bold r:id="rId76"/>
-      <p:italic r:id="rId77"/>
-      <p:boldItalic r:id="rId78"/>
+      <p:regular r:id="rId76"/>
+      <p:bold r:id="rId77"/>
+      <p:italic r:id="rId78"/>
+      <p:boldItalic r:id="rId79"/>
     </p:embeddedFont>
     <p:embeddedFont>
       <p:font typeface="Rubik Medium" pitchFamily="2" charset="-79"/>
-      <p:regular r:id="rId79"/>
-      <p:bold r:id="rId80"/>
-      <p:italic r:id="rId81"/>
-      <p:boldItalic r:id="rId82"/>
+      <p:regular r:id="rId80"/>
+      <p:bold r:id="rId81"/>
+      <p:italic r:id="rId82"/>
+      <p:boldItalic r:id="rId83"/>
     </p:embeddedFont>
   </p:embeddedFontLst>
   <p:defaultTextStyle>
@@ -11885,6 +11886,281 @@
   <p:cSld>
     <p:spTree>
       <p:nvGrpSpPr>
+        <p:cNvPr id="1" name="Shape 71"/>
+        <p:cNvGrpSpPr/>
+        <p:nvPr/>
+      </p:nvGrpSpPr>
+      <p:grpSpPr>
+        <a:xfrm>
+          <a:off x="0" y="0"/>
+          <a:ext cx="0" cy="0"/>
+          <a:chOff x="0" y="0"/>
+          <a:chExt cx="0" cy="0"/>
+        </a:xfrm>
+      </p:grpSpPr>
+      <p:sp>
+        <p:nvSpPr>
+          <p:cNvPr id="72" name="Google Shape;72;p15"/>
+          <p:cNvSpPr txBox="1">
+            <a:spLocks noGrp="1"/>
+          </p:cNvSpPr>
+          <p:nvPr>
+            <p:ph type="title"/>
+          </p:nvPr>
+        </p:nvSpPr>
+        <p:spPr>
+          <a:xfrm>
+            <a:off x="311700" y="445025"/>
+            <a:ext cx="8520600" cy="572700"/>
+          </a:xfrm>
+          <a:prstGeom prst="rect">
+            <a:avLst/>
+          </a:prstGeom>
+        </p:spPr>
+        <p:txBody>
+          <a:bodyPr spcFirstLastPara="1" wrap="square" lIns="91425" tIns="91425" rIns="91425" bIns="91425" anchor="t" anchorCtr="0">
+            <a:noAutofit/>
+          </a:bodyPr>
+          <a:lstStyle/>
+          <a:p>
+            <a:pPr marL="0" lvl="0" indent="0" algn="l" rtl="0">
+              <a:spcBef>
+                <a:spcPts val="0"/>
+              </a:spcBef>
+              <a:spcAft>
+                <a:spcPts val="0"/>
+              </a:spcAft>
+              <a:buNone/>
+            </a:pPr>
+            <a:r>
+              <a:rPr lang="en"/>
+              <a:t>Outline</a:t>
+            </a:r>
+            <a:endParaRPr/>
+          </a:p>
+        </p:txBody>
+      </p:sp>
+      <p:sp>
+        <p:nvSpPr>
+          <p:cNvPr id="73" name="Google Shape;73;p15"/>
+          <p:cNvSpPr txBox="1">
+            <a:spLocks noGrp="1"/>
+          </p:cNvSpPr>
+          <p:nvPr>
+            <p:ph type="body" idx="1"/>
+          </p:nvPr>
+        </p:nvSpPr>
+        <p:spPr>
+          <a:xfrm>
+            <a:off x="311700" y="1152475"/>
+            <a:ext cx="8520600" cy="3416400"/>
+          </a:xfrm>
+          <a:prstGeom prst="rect">
+            <a:avLst/>
+          </a:prstGeom>
+        </p:spPr>
+        <p:txBody>
+          <a:bodyPr spcFirstLastPara="1" wrap="square" lIns="91425" tIns="91425" rIns="91425" bIns="91425" anchor="t" anchorCtr="0">
+            <a:noAutofit/>
+          </a:bodyPr>
+          <a:lstStyle/>
+          <a:p>
+            <a:pPr marL="0" lvl="0" indent="0" algn="l" rtl="0">
+              <a:spcBef>
+                <a:spcPts val="0"/>
+              </a:spcBef>
+              <a:spcAft>
+                <a:spcPts val="0"/>
+              </a:spcAft>
+              <a:buNone/>
+            </a:pPr>
+            <a:r>
+              <a:rPr lang="en"/>
+              <a:t>Today, we are going to see some examples of different kinds of “words” and some properties of words:</a:t>
+            </a:r>
+            <a:endParaRPr/>
+          </a:p>
+          <a:p>
+            <a:pPr marL="457200" lvl="0" indent="-342900" algn="l" rtl="0">
+              <a:spcBef>
+                <a:spcPts val="1600"/>
+              </a:spcBef>
+              <a:spcAft>
+                <a:spcPts val="0"/>
+              </a:spcAft>
+              <a:buSzPts val="1800"/>
+              <a:buAutoNum type="arabicPeriod"/>
+            </a:pPr>
+            <a:r>
+              <a:rPr lang="en"/>
+              <a:t>Constants</a:t>
+            </a:r>
+            <a:endParaRPr/>
+          </a:p>
+          <a:p>
+            <a:pPr marL="457200" lvl="0" indent="-342900" algn="l" rtl="0">
+              <a:spcBef>
+                <a:spcPts val="0"/>
+              </a:spcBef>
+              <a:spcAft>
+                <a:spcPts val="0"/>
+              </a:spcAft>
+              <a:buSzPts val="1800"/>
+              <a:buAutoNum type="arabicPeriod"/>
+            </a:pPr>
+            <a:r>
+              <a:rPr lang="en"/>
+              <a:t>Variables</a:t>
+            </a:r>
+            <a:endParaRPr/>
+          </a:p>
+          <a:p>
+            <a:pPr marL="457200" lvl="0" indent="-342900" algn="l" rtl="0">
+              <a:spcBef>
+                <a:spcPts val="0"/>
+              </a:spcBef>
+              <a:spcAft>
+                <a:spcPts val="0"/>
+              </a:spcAft>
+              <a:buSzPts val="1800"/>
+              <a:buAutoNum type="arabicPeriod"/>
+            </a:pPr>
+            <a:r>
+              <a:rPr lang="en"/>
+              <a:t>Reserved  words</a:t>
+            </a:r>
+            <a:endParaRPr/>
+          </a:p>
+          <a:p>
+            <a:pPr marL="457200" lvl="0" indent="-342900" algn="l" rtl="0">
+              <a:spcBef>
+                <a:spcPts val="0"/>
+              </a:spcBef>
+              <a:spcAft>
+                <a:spcPts val="0"/>
+              </a:spcAft>
+              <a:buSzPts val="1800"/>
+              <a:buAutoNum type="arabicPeriod"/>
+            </a:pPr>
+            <a:r>
+              <a:rPr lang="en"/>
+              <a:t>Operators</a:t>
+            </a:r>
+            <a:endParaRPr/>
+          </a:p>
+          <a:p>
+            <a:pPr marL="457200" lvl="0" indent="-342900" algn="l" rtl="0">
+              <a:spcBef>
+                <a:spcPts val="0"/>
+              </a:spcBef>
+              <a:spcAft>
+                <a:spcPts val="0"/>
+              </a:spcAft>
+              <a:buSzPts val="1800"/>
+              <a:buAutoNum type="arabicPeriod"/>
+            </a:pPr>
+            <a:r>
+              <a:rPr lang="en"/>
+              <a:t>Data types</a:t>
+            </a:r>
+            <a:endParaRPr/>
+          </a:p>
+          <a:p>
+            <a:pPr marL="457200" lvl="0" indent="-342900" algn="l" rtl="0">
+              <a:spcBef>
+                <a:spcPts val="0"/>
+              </a:spcBef>
+              <a:spcAft>
+                <a:spcPts val="0"/>
+              </a:spcAft>
+              <a:buSzPts val="1800"/>
+              <a:buAutoNum type="arabicPeriod"/>
+            </a:pPr>
+            <a:r>
+              <a:rPr lang="en"/>
+              <a:t>Built-in functions</a:t>
+            </a:r>
+            <a:endParaRPr/>
+          </a:p>
+          <a:p>
+            <a:pPr marL="457200" lvl="0" indent="-342900" algn="l" rtl="0">
+              <a:spcBef>
+                <a:spcPts val="0"/>
+              </a:spcBef>
+              <a:spcAft>
+                <a:spcPts val="0"/>
+              </a:spcAft>
+              <a:buSzPts val="1800"/>
+              <a:buAutoNum type="arabicPeriod"/>
+            </a:pPr>
+            <a:r>
+              <a:rPr lang="en"/>
+              <a:t>Comments</a:t>
+            </a:r>
+            <a:endParaRPr/>
+          </a:p>
+        </p:txBody>
+      </p:sp>
+      <p:sp>
+        <p:nvSpPr>
+          <p:cNvPr id="74" name="Google Shape;74;p15"/>
+          <p:cNvSpPr txBox="1">
+            <a:spLocks noGrp="1"/>
+          </p:cNvSpPr>
+          <p:nvPr>
+            <p:ph type="sldNum" idx="12"/>
+          </p:nvPr>
+        </p:nvSpPr>
+        <p:spPr>
+          <a:xfrm>
+            <a:off x="8472458" y="4663217"/>
+            <a:ext cx="548700" cy="393600"/>
+          </a:xfrm>
+          <a:prstGeom prst="rect">
+            <a:avLst/>
+          </a:prstGeom>
+        </p:spPr>
+        <p:txBody>
+          <a:bodyPr spcFirstLastPara="1" wrap="square" lIns="91425" tIns="91425" rIns="91425" bIns="91425" anchor="ctr" anchorCtr="0">
+            <a:noAutofit/>
+          </a:bodyPr>
+          <a:lstStyle/>
+          <a:p>
+            <a:pPr marL="0" lvl="0" indent="0" algn="r" rtl="0">
+              <a:spcBef>
+                <a:spcPts val="0"/>
+              </a:spcBef>
+              <a:spcAft>
+                <a:spcPts val="0"/>
+              </a:spcAft>
+              <a:buClr>
+                <a:srgbClr val="000000"/>
+              </a:buClr>
+              <a:buSzPts val="1100"/>
+              <a:buFont typeface="Arial"/>
+              <a:buNone/>
+            </a:pPr>
+            <a:fld id="{00000000-1234-1234-1234-123412341234}" type="slidenum">
+              <a:rPr lang="en"/>
+              <a:t>10</a:t>
+            </a:fld>
+            <a:endParaRPr/>
+          </a:p>
+        </p:txBody>
+      </p:sp>
+    </p:spTree>
+  </p:cSld>
+  <p:clrMapOvr>
+    <a:masterClrMapping/>
+  </p:clrMapOvr>
+</p:sld>
+</file>
+
+<file path=ppt/slides/slide11.xml><?xml version="1.0" encoding="utf-8"?>
+<p:sld xmlns:a="http://schemas.openxmlformats.org/drawingml/2006/main" xmlns:r="http://schemas.openxmlformats.org/officeDocument/2006/relationships" xmlns:p="http://schemas.openxmlformats.org/presentationml/2006/main">
+  <p:cSld>
+    <p:spTree>
+      <p:nvGrpSpPr>
         <p:cNvPr id="1" name="Shape 78"/>
         <p:cNvGrpSpPr/>
         <p:nvPr/>
@@ -12161,7 +12437,7 @@
             </a:pPr>
             <a:fld id="{00000000-1234-1234-1234-123412341234}" type="slidenum">
               <a:rPr lang="en"/>
-              <a:t>10</a:t>
+              <a:t>11</a:t>
             </a:fld>
             <a:endParaRPr/>
           </a:p>
@@ -12175,7 +12451,7 @@
 </p:sld>
 </file>
 
-<file path=ppt/slides/slide11.xml><?xml version="1.0" encoding="utf-8"?>
+<file path=ppt/slides/slide12.xml><?xml version="1.0" encoding="utf-8"?>
 <p:sld xmlns:a="http://schemas.openxmlformats.org/drawingml/2006/main" xmlns:r="http://schemas.openxmlformats.org/officeDocument/2006/relationships" xmlns:p="http://schemas.openxmlformats.org/presentationml/2006/main">
   <p:cSld>
     <p:spTree>
@@ -12579,7 +12855,7 @@
             </a:pPr>
             <a:fld id="{00000000-1234-1234-1234-123412341234}" type="slidenum">
               <a:rPr lang="en"/>
-              <a:t>11</a:t>
+              <a:t>12</a:t>
             </a:fld>
             <a:endParaRPr/>
           </a:p>
@@ -12717,7 +12993,7 @@
 </p:sld>
 </file>
 
-<file path=ppt/slides/slide12.xml><?xml version="1.0" encoding="utf-8"?>
+<file path=ppt/slides/slide13.xml><?xml version="1.0" encoding="utf-8"?>
 <p:sld xmlns:a="http://schemas.openxmlformats.org/drawingml/2006/main" xmlns:r="http://schemas.openxmlformats.org/officeDocument/2006/relationships" xmlns:p="http://schemas.openxmlformats.org/presentationml/2006/main">
   <p:cSld>
     <p:spTree>
@@ -12988,7 +13264,7 @@
             </a:pPr>
             <a:fld id="{00000000-1234-1234-1234-123412341234}" type="slidenum">
               <a:rPr lang="en"/>
-              <a:t>12</a:t>
+              <a:t>13</a:t>
             </a:fld>
             <a:endParaRPr/>
           </a:p>
@@ -13002,7 +13278,7 @@
 </p:sld>
 </file>
 
-<file path=ppt/slides/slide13.xml><?xml version="1.0" encoding="utf-8"?>
+<file path=ppt/slides/slide14.xml><?xml version="1.0" encoding="utf-8"?>
 <p:sld xmlns:a="http://schemas.openxmlformats.org/drawingml/2006/main" xmlns:r="http://schemas.openxmlformats.org/officeDocument/2006/relationships" xmlns:p="http://schemas.openxmlformats.org/presentationml/2006/main">
   <p:cSld>
     <p:spTree>
@@ -13508,7 +13784,7 @@
             </a:pPr>
             <a:fld id="{00000000-1234-1234-1234-123412341234}" type="slidenum">
               <a:rPr lang="en"/>
-              <a:t>13</a:t>
+              <a:t>14</a:t>
             </a:fld>
             <a:endParaRPr/>
           </a:p>
@@ -13597,7 +13873,7 @@
 </p:sld>
 </file>
 
-<file path=ppt/slides/slide14.xml><?xml version="1.0" encoding="utf-8"?>
+<file path=ppt/slides/slide15.xml><?xml version="1.0" encoding="utf-8"?>
 <p:sld xmlns:a="http://schemas.openxmlformats.org/drawingml/2006/main" xmlns:r="http://schemas.openxmlformats.org/officeDocument/2006/relationships" xmlns:p="http://schemas.openxmlformats.org/presentationml/2006/main">
   <p:cSld>
     <p:spTree>
@@ -13683,7 +13959,7 @@
             </a:pPr>
             <a:fld id="{00000000-1234-1234-1234-123412341234}" type="slidenum">
               <a:rPr lang="en"/>
-              <a:t>14</a:t>
+              <a:t>15</a:t>
             </a:fld>
             <a:endParaRPr/>
           </a:p>
@@ -13819,7 +14095,7 @@
 </p:sld>
 </file>
 
-<file path=ppt/slides/slide15.xml><?xml version="1.0" encoding="utf-8"?>
+<file path=ppt/slides/slide16.xml><?xml version="1.0" encoding="utf-8"?>
 <p:sld xmlns:a="http://schemas.openxmlformats.org/drawingml/2006/main" xmlns:r="http://schemas.openxmlformats.org/officeDocument/2006/relationships" xmlns:p="http://schemas.openxmlformats.org/presentationml/2006/main">
   <p:cSld>
     <p:spTree>
@@ -14025,7 +14301,7 @@
             </a:pPr>
             <a:fld id="{00000000-1234-1234-1234-123412341234}" type="slidenum">
               <a:rPr lang="en"/>
-              <a:t>15</a:t>
+              <a:t>16</a:t>
             </a:fld>
             <a:endParaRPr/>
           </a:p>
@@ -14265,7 +14541,7 @@
 </p:sld>
 </file>
 
-<file path=ppt/slides/slide16.xml><?xml version="1.0" encoding="utf-8"?>
+<file path=ppt/slides/slide17.xml><?xml version="1.0" encoding="utf-8"?>
 <p:sld xmlns:a="http://schemas.openxmlformats.org/drawingml/2006/main" xmlns:r="http://schemas.openxmlformats.org/officeDocument/2006/relationships" xmlns:p="http://schemas.openxmlformats.org/presentationml/2006/main">
   <p:cSld>
     <p:spTree>
@@ -14577,7 +14853,7 @@
             </a:pPr>
             <a:fld id="{00000000-1234-1234-1234-123412341234}" type="slidenum">
               <a:rPr lang="en"/>
-              <a:t>16</a:t>
+              <a:t>17</a:t>
             </a:fld>
             <a:endParaRPr/>
           </a:p>
@@ -14970,7 +15246,7 @@
 </p:sld>
 </file>
 
-<file path=ppt/slides/slide17.xml><?xml version="1.0" encoding="utf-8"?>
+<file path=ppt/slides/slide18.xml><?xml version="1.0" encoding="utf-8"?>
 <p:sld xmlns:a="http://schemas.openxmlformats.org/drawingml/2006/main" xmlns:r="http://schemas.openxmlformats.org/officeDocument/2006/relationships" xmlns:p="http://schemas.openxmlformats.org/presentationml/2006/main">
   <p:cSld>
     <p:spTree>
@@ -15437,7 +15713,7 @@
             </a:pPr>
             <a:fld id="{00000000-1234-1234-1234-123412341234}" type="slidenum">
               <a:rPr lang="en"/>
-              <a:t>17</a:t>
+              <a:t>18</a:t>
             </a:fld>
             <a:endParaRPr/>
           </a:p>
@@ -15526,7 +15802,7 @@
 </p:sld>
 </file>
 
-<file path=ppt/slides/slide18.xml><?xml version="1.0" encoding="utf-8"?>
+<file path=ppt/slides/slide19.xml><?xml version="1.0" encoding="utf-8"?>
 <p:sld xmlns:a="http://schemas.openxmlformats.org/drawingml/2006/main" xmlns:r="http://schemas.openxmlformats.org/officeDocument/2006/relationships" xmlns:p="http://schemas.openxmlformats.org/presentationml/2006/main">
   <p:cSld>
     <p:spTree>
@@ -15899,7 +16175,7 @@
             </a:pPr>
             <a:fld id="{00000000-1234-1234-1234-123412341234}" type="slidenum">
               <a:rPr lang="en"/>
-              <a:t>18</a:t>
+              <a:t>19</a:t>
             </a:fld>
             <a:endParaRPr/>
           </a:p>
@@ -16292,544 +16568,6 @@
 </p:sld>
 </file>
 
-<file path=ppt/slides/slide19.xml><?xml version="1.0" encoding="utf-8"?>
-<p:sld xmlns:a="http://schemas.openxmlformats.org/drawingml/2006/main" xmlns:r="http://schemas.openxmlformats.org/officeDocument/2006/relationships" xmlns:p="http://schemas.openxmlformats.org/presentationml/2006/main">
-  <p:cSld>
-    <p:spTree>
-      <p:nvGrpSpPr>
-        <p:cNvPr id="1" name="Shape 147"/>
-        <p:cNvGrpSpPr/>
-        <p:nvPr/>
-      </p:nvGrpSpPr>
-      <p:grpSpPr>
-        <a:xfrm>
-          <a:off x="0" y="0"/>
-          <a:ext cx="0" cy="0"/>
-          <a:chOff x="0" y="0"/>
-          <a:chExt cx="0" cy="0"/>
-        </a:xfrm>
-      </p:grpSpPr>
-      <p:sp>
-        <p:nvSpPr>
-          <p:cNvPr id="148" name="Google Shape;148;p25"/>
-          <p:cNvSpPr txBox="1">
-            <a:spLocks noGrp="1"/>
-          </p:cNvSpPr>
-          <p:nvPr>
-            <p:ph type="title"/>
-          </p:nvPr>
-        </p:nvSpPr>
-        <p:spPr>
-          <a:xfrm>
-            <a:off x="311700" y="445025"/>
-            <a:ext cx="8520600" cy="572700"/>
-          </a:xfrm>
-          <a:prstGeom prst="rect">
-            <a:avLst/>
-          </a:prstGeom>
-        </p:spPr>
-        <p:txBody>
-          <a:bodyPr spcFirstLastPara="1" wrap="square" lIns="91425" tIns="91425" rIns="91425" bIns="91425" anchor="t" anchorCtr="0">
-            <a:noAutofit/>
-          </a:bodyPr>
-          <a:lstStyle/>
-          <a:p>
-            <a:pPr marL="0" lvl="0" indent="0" algn="l" rtl="0">
-              <a:spcBef>
-                <a:spcPts val="0"/>
-              </a:spcBef>
-              <a:spcAft>
-                <a:spcPts val="0"/>
-              </a:spcAft>
-              <a:buNone/>
-            </a:pPr>
-            <a:r>
-              <a:rPr lang="en"/>
-              <a:t>Naming Variables: Snake Case</a:t>
-            </a:r>
-            <a:endParaRPr/>
-          </a:p>
-        </p:txBody>
-      </p:sp>
-      <p:sp>
-        <p:nvSpPr>
-          <p:cNvPr id="149" name="Google Shape;149;p25"/>
-          <p:cNvSpPr txBox="1">
-            <a:spLocks noGrp="1"/>
-          </p:cNvSpPr>
-          <p:nvPr>
-            <p:ph type="body" idx="1"/>
-          </p:nvPr>
-        </p:nvSpPr>
-        <p:spPr>
-          <a:xfrm>
-            <a:off x="4428750" y="2226400"/>
-            <a:ext cx="3999900" cy="2697300"/>
-          </a:xfrm>
-          <a:prstGeom prst="rect">
-            <a:avLst/>
-          </a:prstGeom>
-        </p:spPr>
-        <p:txBody>
-          <a:bodyPr spcFirstLastPara="1" wrap="square" lIns="91425" tIns="91425" rIns="91425" bIns="91425" anchor="t" anchorCtr="0">
-            <a:noAutofit/>
-          </a:bodyPr>
-          <a:lstStyle/>
-          <a:p>
-            <a:pPr marL="0" lvl="0" indent="0" algn="l" rtl="0">
-              <a:spcBef>
-                <a:spcPts val="0"/>
-              </a:spcBef>
-              <a:spcAft>
-                <a:spcPts val="0"/>
-              </a:spcAft>
-              <a:buNone/>
-            </a:pPr>
-            <a:r>
-              <a:rPr lang="en" sz="1600" b="1"/>
-              <a:t>Functions</a:t>
-            </a:r>
-            <a:endParaRPr sz="1600" b="1"/>
-          </a:p>
-          <a:p>
-            <a:pPr marL="0" lvl="0" indent="0" algn="l" rtl="0">
-              <a:spcBef>
-                <a:spcPts val="1600"/>
-              </a:spcBef>
-              <a:spcAft>
-                <a:spcPts val="0"/>
-              </a:spcAft>
-              <a:buNone/>
-            </a:pPr>
-            <a:r>
-              <a:rPr lang="en" sz="1600" b="1">
-                <a:latin typeface="Consolas"/>
-                <a:ea typeface="Consolas"/>
-                <a:cs typeface="Consolas"/>
-                <a:sym typeface="Consolas"/>
-              </a:rPr>
-              <a:t>def </a:t>
-            </a:r>
-            <a:r>
-              <a:rPr lang="en" sz="1600" b="1">
-                <a:solidFill>
-                  <a:srgbClr val="5F3992"/>
-                </a:solidFill>
-                <a:latin typeface="Consolas"/>
-                <a:ea typeface="Consolas"/>
-                <a:cs typeface="Consolas"/>
-                <a:sym typeface="Consolas"/>
-              </a:rPr>
-              <a:t>divide_two_nums</a:t>
-            </a:r>
-            <a:r>
-              <a:rPr lang="en" sz="1600" b="1">
-                <a:latin typeface="Consolas"/>
-                <a:ea typeface="Consolas"/>
-                <a:cs typeface="Consolas"/>
-                <a:sym typeface="Consolas"/>
-              </a:rPr>
-              <a:t>(num, denom):</a:t>
-            </a:r>
-            <a:br>
-              <a:rPr lang="en" sz="1600" b="1">
-                <a:latin typeface="Consolas"/>
-                <a:ea typeface="Consolas"/>
-                <a:cs typeface="Consolas"/>
-                <a:sym typeface="Consolas"/>
-              </a:rPr>
-            </a:br>
-            <a:r>
-              <a:rPr lang="en" sz="1600" b="1">
-                <a:latin typeface="Consolas"/>
-                <a:ea typeface="Consolas"/>
-                <a:cs typeface="Consolas"/>
-                <a:sym typeface="Consolas"/>
-              </a:rPr>
-              <a:t>   return num / denom</a:t>
-            </a:r>
-            <a:endParaRPr sz="1600" b="1">
-              <a:latin typeface="Consolas"/>
-              <a:ea typeface="Consolas"/>
-              <a:cs typeface="Consolas"/>
-              <a:sym typeface="Consolas"/>
-            </a:endParaRPr>
-          </a:p>
-          <a:p>
-            <a:pPr marL="0" lvl="0" indent="0" algn="l" rtl="0">
-              <a:spcBef>
-                <a:spcPts val="1600"/>
-              </a:spcBef>
-              <a:spcAft>
-                <a:spcPts val="0"/>
-              </a:spcAft>
-              <a:buNone/>
-            </a:pPr>
-            <a:endParaRPr sz="1600" b="1">
-              <a:latin typeface="Consolas"/>
-              <a:ea typeface="Consolas"/>
-              <a:cs typeface="Consolas"/>
-              <a:sym typeface="Consolas"/>
-            </a:endParaRPr>
-          </a:p>
-          <a:p>
-            <a:pPr marL="0" lvl="0" indent="0" algn="l" rtl="0">
-              <a:spcBef>
-                <a:spcPts val="1600"/>
-              </a:spcBef>
-              <a:spcAft>
-                <a:spcPts val="1600"/>
-              </a:spcAft>
-              <a:buNone/>
-            </a:pPr>
-            <a:r>
-              <a:rPr lang="en" sz="1600" b="1">
-                <a:latin typeface="Consolas"/>
-                <a:ea typeface="Consolas"/>
-                <a:cs typeface="Consolas"/>
-                <a:sym typeface="Consolas"/>
-              </a:rPr>
-              <a:t>def </a:t>
-            </a:r>
-            <a:r>
-              <a:rPr lang="en" sz="1600" b="1">
-                <a:solidFill>
-                  <a:srgbClr val="5F3992"/>
-                </a:solidFill>
-                <a:latin typeface="Consolas"/>
-                <a:ea typeface="Consolas"/>
-                <a:cs typeface="Consolas"/>
-                <a:sym typeface="Consolas"/>
-              </a:rPr>
-              <a:t>move_avatar_left</a:t>
-            </a:r>
-            <a:r>
-              <a:rPr lang="en" sz="1600" b="1">
-                <a:latin typeface="Consolas"/>
-                <a:ea typeface="Consolas"/>
-                <a:cs typeface="Consolas"/>
-                <a:sym typeface="Consolas"/>
-              </a:rPr>
-              <a:t>(dog):</a:t>
-            </a:r>
-            <a:br>
-              <a:rPr lang="en" sz="1600" b="1">
-                <a:latin typeface="Consolas"/>
-                <a:ea typeface="Consolas"/>
-                <a:cs typeface="Consolas"/>
-                <a:sym typeface="Consolas"/>
-              </a:rPr>
-            </a:br>
-            <a:r>
-              <a:rPr lang="en" sz="1600" b="1">
-                <a:latin typeface="Consolas"/>
-                <a:ea typeface="Consolas"/>
-                <a:cs typeface="Consolas"/>
-                <a:sym typeface="Consolas"/>
-              </a:rPr>
-              <a:t>   dog.x -= 1</a:t>
-            </a:r>
-            <a:br>
-              <a:rPr lang="en" sz="1600" b="1">
-                <a:latin typeface="Consolas"/>
-                <a:ea typeface="Consolas"/>
-                <a:cs typeface="Consolas"/>
-                <a:sym typeface="Consolas"/>
-              </a:rPr>
-            </a:br>
-            <a:r>
-              <a:rPr lang="en" sz="1600" b="1">
-                <a:latin typeface="Consolas"/>
-                <a:ea typeface="Consolas"/>
-                <a:cs typeface="Consolas"/>
-                <a:sym typeface="Consolas"/>
-              </a:rPr>
-              <a:t>   dog.redraw()</a:t>
-            </a:r>
-            <a:endParaRPr sz="1600" b="1">
-              <a:latin typeface="Consolas"/>
-              <a:ea typeface="Consolas"/>
-              <a:cs typeface="Consolas"/>
-              <a:sym typeface="Consolas"/>
-            </a:endParaRPr>
-          </a:p>
-        </p:txBody>
-      </p:sp>
-      <p:sp>
-        <p:nvSpPr>
-          <p:cNvPr id="150" name="Google Shape;150;p25"/>
-          <p:cNvSpPr txBox="1">
-            <a:spLocks noGrp="1"/>
-          </p:cNvSpPr>
-          <p:nvPr>
-            <p:ph type="body" idx="2"/>
-          </p:nvPr>
-        </p:nvSpPr>
-        <p:spPr>
-          <a:xfrm>
-            <a:off x="428850" y="2226400"/>
-            <a:ext cx="3999900" cy="2697300"/>
-          </a:xfrm>
-          <a:prstGeom prst="rect">
-            <a:avLst/>
-          </a:prstGeom>
-        </p:spPr>
-        <p:txBody>
-          <a:bodyPr spcFirstLastPara="1" wrap="square" lIns="91425" tIns="91425" rIns="91425" bIns="91425" anchor="t" anchorCtr="0">
-            <a:noAutofit/>
-          </a:bodyPr>
-          <a:lstStyle/>
-          <a:p>
-            <a:pPr marL="0" lvl="0" indent="0" algn="l" rtl="0">
-              <a:spcBef>
-                <a:spcPts val="0"/>
-              </a:spcBef>
-              <a:spcAft>
-                <a:spcPts val="0"/>
-              </a:spcAft>
-              <a:buNone/>
-            </a:pPr>
-            <a:r>
-              <a:rPr lang="en" sz="1600" b="1"/>
-              <a:t>Variables</a:t>
-            </a:r>
-            <a:endParaRPr sz="1600" b="1"/>
-          </a:p>
-          <a:p>
-            <a:pPr marL="0" lvl="0" indent="0" algn="l" rtl="0">
-              <a:spcBef>
-                <a:spcPts val="1600"/>
-              </a:spcBef>
-              <a:spcAft>
-                <a:spcPts val="0"/>
-              </a:spcAft>
-              <a:buNone/>
-            </a:pPr>
-            <a:r>
-              <a:rPr lang="en" sz="1600" b="1">
-                <a:solidFill>
-                  <a:srgbClr val="5F3992"/>
-                </a:solidFill>
-                <a:latin typeface="Consolas"/>
-                <a:ea typeface="Consolas"/>
-                <a:cs typeface="Consolas"/>
-                <a:sym typeface="Consolas"/>
-              </a:rPr>
-              <a:t>time_left_til_end_of_class</a:t>
-            </a:r>
-            <a:r>
-              <a:rPr lang="en" sz="1600" b="1">
-                <a:latin typeface="Consolas"/>
-                <a:ea typeface="Consolas"/>
-                <a:cs typeface="Consolas"/>
-                <a:sym typeface="Consolas"/>
-              </a:rPr>
-              <a:t> = 35</a:t>
-            </a:r>
-            <a:endParaRPr sz="1600" b="1">
-              <a:latin typeface="Consolas"/>
-              <a:ea typeface="Consolas"/>
-              <a:cs typeface="Consolas"/>
-              <a:sym typeface="Consolas"/>
-            </a:endParaRPr>
-          </a:p>
-          <a:p>
-            <a:pPr marL="0" lvl="0" indent="0" algn="l" rtl="0">
-              <a:spcBef>
-                <a:spcPts val="1600"/>
-              </a:spcBef>
-              <a:spcAft>
-                <a:spcPts val="0"/>
-              </a:spcAft>
-              <a:buNone/>
-            </a:pPr>
-            <a:r>
-              <a:rPr lang="en" sz="1600" b="1">
-                <a:solidFill>
-                  <a:srgbClr val="5F3992"/>
-                </a:solidFill>
-                <a:latin typeface="Consolas"/>
-                <a:ea typeface="Consolas"/>
-                <a:cs typeface="Consolas"/>
-                <a:sym typeface="Consolas"/>
-              </a:rPr>
-              <a:t>first_name</a:t>
-            </a:r>
-            <a:r>
-              <a:rPr lang="en" sz="1600" b="1">
-                <a:latin typeface="Consolas"/>
-                <a:ea typeface="Consolas"/>
-                <a:cs typeface="Consolas"/>
-                <a:sym typeface="Consolas"/>
-              </a:rPr>
-              <a:t> = 'Jazmin'</a:t>
-            </a:r>
-            <a:endParaRPr sz="1600" b="1">
-              <a:latin typeface="Consolas"/>
-              <a:ea typeface="Consolas"/>
-              <a:cs typeface="Consolas"/>
-              <a:sym typeface="Consolas"/>
-            </a:endParaRPr>
-          </a:p>
-          <a:p>
-            <a:pPr marL="0" lvl="0" indent="0" algn="l" rtl="0">
-              <a:spcBef>
-                <a:spcPts val="1600"/>
-              </a:spcBef>
-              <a:spcAft>
-                <a:spcPts val="1600"/>
-              </a:spcAft>
-              <a:buClr>
-                <a:schemeClr val="dk1"/>
-              </a:buClr>
-              <a:buSzPts val="1100"/>
-              <a:buFont typeface="Arial"/>
-              <a:buNone/>
-            </a:pPr>
-            <a:r>
-              <a:rPr lang="en" sz="1600" b="1">
-                <a:solidFill>
-                  <a:srgbClr val="5F3992"/>
-                </a:solidFill>
-                <a:latin typeface="Consolas"/>
-                <a:ea typeface="Consolas"/>
-                <a:cs typeface="Consolas"/>
-                <a:sym typeface="Consolas"/>
-              </a:rPr>
-              <a:t>last_name</a:t>
-            </a:r>
-            <a:r>
-              <a:rPr lang="en" sz="1600" b="1">
-                <a:latin typeface="Consolas"/>
-                <a:ea typeface="Consolas"/>
-                <a:cs typeface="Consolas"/>
-                <a:sym typeface="Consolas"/>
-              </a:rPr>
-              <a:t> = 'Morales'</a:t>
-            </a:r>
-            <a:endParaRPr sz="1600" b="1">
-              <a:latin typeface="Consolas"/>
-              <a:ea typeface="Consolas"/>
-              <a:cs typeface="Consolas"/>
-              <a:sym typeface="Consolas"/>
-            </a:endParaRPr>
-          </a:p>
-        </p:txBody>
-      </p:sp>
-      <p:sp>
-        <p:nvSpPr>
-          <p:cNvPr id="151" name="Google Shape;151;p25"/>
-          <p:cNvSpPr txBox="1">
-            <a:spLocks noGrp="1"/>
-          </p:cNvSpPr>
-          <p:nvPr>
-            <p:ph type="sldNum" idx="12"/>
-          </p:nvPr>
-        </p:nvSpPr>
-        <p:spPr>
-          <a:xfrm>
-            <a:off x="8472458" y="4663217"/>
-            <a:ext cx="548700" cy="393600"/>
-          </a:xfrm>
-          <a:prstGeom prst="rect">
-            <a:avLst/>
-          </a:prstGeom>
-        </p:spPr>
-        <p:txBody>
-          <a:bodyPr spcFirstLastPara="1" wrap="square" lIns="91425" tIns="91425" rIns="91425" bIns="91425" anchor="ctr" anchorCtr="0">
-            <a:noAutofit/>
-          </a:bodyPr>
-          <a:lstStyle/>
-          <a:p>
-            <a:pPr marL="0" lvl="0" indent="0" algn="r" rtl="0">
-              <a:spcBef>
-                <a:spcPts val="0"/>
-              </a:spcBef>
-              <a:spcAft>
-                <a:spcPts val="0"/>
-              </a:spcAft>
-              <a:buClr>
-                <a:srgbClr val="000000"/>
-              </a:buClr>
-              <a:buSzPts val="1100"/>
-              <a:buFont typeface="Arial"/>
-              <a:buNone/>
-            </a:pPr>
-            <a:fld id="{00000000-1234-1234-1234-123412341234}" type="slidenum">
-              <a:rPr lang="en"/>
-              <a:t>19</a:t>
-            </a:fld>
-            <a:endParaRPr/>
-          </a:p>
-        </p:txBody>
-      </p:sp>
-      <p:sp>
-        <p:nvSpPr>
-          <p:cNvPr id="152" name="Google Shape;152;p25"/>
-          <p:cNvSpPr txBox="1">
-            <a:spLocks noGrp="1"/>
-          </p:cNvSpPr>
-          <p:nvPr>
-            <p:ph type="body" idx="1"/>
-          </p:nvPr>
-        </p:nvSpPr>
-        <p:spPr>
-          <a:xfrm>
-            <a:off x="311700" y="1152475"/>
-            <a:ext cx="8520600" cy="609300"/>
-          </a:xfrm>
-          <a:prstGeom prst="rect">
-            <a:avLst/>
-          </a:prstGeom>
-        </p:spPr>
-        <p:txBody>
-          <a:bodyPr spcFirstLastPara="1" wrap="square" lIns="91425" tIns="91425" rIns="91425" bIns="91425" anchor="t" anchorCtr="0">
-            <a:noAutofit/>
-          </a:bodyPr>
-          <a:lstStyle/>
-          <a:p>
-            <a:pPr marL="0" lvl="0" indent="0" algn="l" rtl="0">
-              <a:lnSpc>
-                <a:spcPct val="100000"/>
-              </a:lnSpc>
-              <a:spcBef>
-                <a:spcPts val="0"/>
-              </a:spcBef>
-              <a:spcAft>
-                <a:spcPts val="0"/>
-              </a:spcAft>
-              <a:buNone/>
-            </a:pPr>
-            <a:r>
-              <a:rPr lang="en" sz="1800">
-                <a:solidFill>
-                  <a:srgbClr val="222222"/>
-                </a:solidFill>
-                <a:highlight>
-                  <a:srgbClr val="FFFFFF"/>
-                </a:highlight>
-              </a:rPr>
-              <a:t>Examples of snake case variables and functions: </a:t>
-            </a:r>
-            <a:endParaRPr sz="1800">
-              <a:solidFill>
-                <a:srgbClr val="222222"/>
-              </a:solidFill>
-              <a:highlight>
-                <a:srgbClr val="FFFFFF"/>
-              </a:highlight>
-            </a:endParaRPr>
-          </a:p>
-        </p:txBody>
-      </p:sp>
-    </p:spTree>
-  </p:cSld>
-  <p:clrMapOvr>
-    <a:masterClrMapping/>
-  </p:clrMapOvr>
-</p:sld>
-</file>
-
 <file path=ppt/slides/slide2.xml><?xml version="1.0" encoding="utf-8"?>
 <p:sld xmlns:a="http://schemas.openxmlformats.org/drawingml/2006/main" xmlns:r="http://schemas.openxmlformats.org/officeDocument/2006/relationships" xmlns:p="http://schemas.openxmlformats.org/presentationml/2006/main">
   <p:cSld>
@@ -17319,6 +17057,544 @@
   <p:cSld>
     <p:spTree>
       <p:nvGrpSpPr>
+        <p:cNvPr id="1" name="Shape 147"/>
+        <p:cNvGrpSpPr/>
+        <p:nvPr/>
+      </p:nvGrpSpPr>
+      <p:grpSpPr>
+        <a:xfrm>
+          <a:off x="0" y="0"/>
+          <a:ext cx="0" cy="0"/>
+          <a:chOff x="0" y="0"/>
+          <a:chExt cx="0" cy="0"/>
+        </a:xfrm>
+      </p:grpSpPr>
+      <p:sp>
+        <p:nvSpPr>
+          <p:cNvPr id="148" name="Google Shape;148;p25"/>
+          <p:cNvSpPr txBox="1">
+            <a:spLocks noGrp="1"/>
+          </p:cNvSpPr>
+          <p:nvPr>
+            <p:ph type="title"/>
+          </p:nvPr>
+        </p:nvSpPr>
+        <p:spPr>
+          <a:xfrm>
+            <a:off x="311700" y="445025"/>
+            <a:ext cx="8520600" cy="572700"/>
+          </a:xfrm>
+          <a:prstGeom prst="rect">
+            <a:avLst/>
+          </a:prstGeom>
+        </p:spPr>
+        <p:txBody>
+          <a:bodyPr spcFirstLastPara="1" wrap="square" lIns="91425" tIns="91425" rIns="91425" bIns="91425" anchor="t" anchorCtr="0">
+            <a:noAutofit/>
+          </a:bodyPr>
+          <a:lstStyle/>
+          <a:p>
+            <a:pPr marL="0" lvl="0" indent="0" algn="l" rtl="0">
+              <a:spcBef>
+                <a:spcPts val="0"/>
+              </a:spcBef>
+              <a:spcAft>
+                <a:spcPts val="0"/>
+              </a:spcAft>
+              <a:buNone/>
+            </a:pPr>
+            <a:r>
+              <a:rPr lang="en"/>
+              <a:t>Naming Variables: Snake Case</a:t>
+            </a:r>
+            <a:endParaRPr/>
+          </a:p>
+        </p:txBody>
+      </p:sp>
+      <p:sp>
+        <p:nvSpPr>
+          <p:cNvPr id="149" name="Google Shape;149;p25"/>
+          <p:cNvSpPr txBox="1">
+            <a:spLocks noGrp="1"/>
+          </p:cNvSpPr>
+          <p:nvPr>
+            <p:ph type="body" idx="1"/>
+          </p:nvPr>
+        </p:nvSpPr>
+        <p:spPr>
+          <a:xfrm>
+            <a:off x="4428750" y="2226400"/>
+            <a:ext cx="3999900" cy="2697300"/>
+          </a:xfrm>
+          <a:prstGeom prst="rect">
+            <a:avLst/>
+          </a:prstGeom>
+        </p:spPr>
+        <p:txBody>
+          <a:bodyPr spcFirstLastPara="1" wrap="square" lIns="91425" tIns="91425" rIns="91425" bIns="91425" anchor="t" anchorCtr="0">
+            <a:noAutofit/>
+          </a:bodyPr>
+          <a:lstStyle/>
+          <a:p>
+            <a:pPr marL="0" lvl="0" indent="0" algn="l" rtl="0">
+              <a:spcBef>
+                <a:spcPts val="0"/>
+              </a:spcBef>
+              <a:spcAft>
+                <a:spcPts val="0"/>
+              </a:spcAft>
+              <a:buNone/>
+            </a:pPr>
+            <a:r>
+              <a:rPr lang="en" sz="1600" b="1"/>
+              <a:t>Functions</a:t>
+            </a:r>
+            <a:endParaRPr sz="1600" b="1"/>
+          </a:p>
+          <a:p>
+            <a:pPr marL="0" lvl="0" indent="0" algn="l" rtl="0">
+              <a:spcBef>
+                <a:spcPts val="1600"/>
+              </a:spcBef>
+              <a:spcAft>
+                <a:spcPts val="0"/>
+              </a:spcAft>
+              <a:buNone/>
+            </a:pPr>
+            <a:r>
+              <a:rPr lang="en" sz="1600" b="1">
+                <a:latin typeface="Consolas"/>
+                <a:ea typeface="Consolas"/>
+                <a:cs typeface="Consolas"/>
+                <a:sym typeface="Consolas"/>
+              </a:rPr>
+              <a:t>def </a:t>
+            </a:r>
+            <a:r>
+              <a:rPr lang="en" sz="1600" b="1">
+                <a:solidFill>
+                  <a:srgbClr val="5F3992"/>
+                </a:solidFill>
+                <a:latin typeface="Consolas"/>
+                <a:ea typeface="Consolas"/>
+                <a:cs typeface="Consolas"/>
+                <a:sym typeface="Consolas"/>
+              </a:rPr>
+              <a:t>divide_two_nums</a:t>
+            </a:r>
+            <a:r>
+              <a:rPr lang="en" sz="1600" b="1">
+                <a:latin typeface="Consolas"/>
+                <a:ea typeface="Consolas"/>
+                <a:cs typeface="Consolas"/>
+                <a:sym typeface="Consolas"/>
+              </a:rPr>
+              <a:t>(num, denom):</a:t>
+            </a:r>
+            <a:br>
+              <a:rPr lang="en" sz="1600" b="1">
+                <a:latin typeface="Consolas"/>
+                <a:ea typeface="Consolas"/>
+                <a:cs typeface="Consolas"/>
+                <a:sym typeface="Consolas"/>
+              </a:rPr>
+            </a:br>
+            <a:r>
+              <a:rPr lang="en" sz="1600" b="1">
+                <a:latin typeface="Consolas"/>
+                <a:ea typeface="Consolas"/>
+                <a:cs typeface="Consolas"/>
+                <a:sym typeface="Consolas"/>
+              </a:rPr>
+              <a:t>   return num / denom</a:t>
+            </a:r>
+            <a:endParaRPr sz="1600" b="1">
+              <a:latin typeface="Consolas"/>
+              <a:ea typeface="Consolas"/>
+              <a:cs typeface="Consolas"/>
+              <a:sym typeface="Consolas"/>
+            </a:endParaRPr>
+          </a:p>
+          <a:p>
+            <a:pPr marL="0" lvl="0" indent="0" algn="l" rtl="0">
+              <a:spcBef>
+                <a:spcPts val="1600"/>
+              </a:spcBef>
+              <a:spcAft>
+                <a:spcPts val="0"/>
+              </a:spcAft>
+              <a:buNone/>
+            </a:pPr>
+            <a:endParaRPr sz="1600" b="1">
+              <a:latin typeface="Consolas"/>
+              <a:ea typeface="Consolas"/>
+              <a:cs typeface="Consolas"/>
+              <a:sym typeface="Consolas"/>
+            </a:endParaRPr>
+          </a:p>
+          <a:p>
+            <a:pPr marL="0" lvl="0" indent="0" algn="l" rtl="0">
+              <a:spcBef>
+                <a:spcPts val="1600"/>
+              </a:spcBef>
+              <a:spcAft>
+                <a:spcPts val="1600"/>
+              </a:spcAft>
+              <a:buNone/>
+            </a:pPr>
+            <a:r>
+              <a:rPr lang="en" sz="1600" b="1">
+                <a:latin typeface="Consolas"/>
+                <a:ea typeface="Consolas"/>
+                <a:cs typeface="Consolas"/>
+                <a:sym typeface="Consolas"/>
+              </a:rPr>
+              <a:t>def </a:t>
+            </a:r>
+            <a:r>
+              <a:rPr lang="en" sz="1600" b="1">
+                <a:solidFill>
+                  <a:srgbClr val="5F3992"/>
+                </a:solidFill>
+                <a:latin typeface="Consolas"/>
+                <a:ea typeface="Consolas"/>
+                <a:cs typeface="Consolas"/>
+                <a:sym typeface="Consolas"/>
+              </a:rPr>
+              <a:t>move_avatar_left</a:t>
+            </a:r>
+            <a:r>
+              <a:rPr lang="en" sz="1600" b="1">
+                <a:latin typeface="Consolas"/>
+                <a:ea typeface="Consolas"/>
+                <a:cs typeface="Consolas"/>
+                <a:sym typeface="Consolas"/>
+              </a:rPr>
+              <a:t>(dog):</a:t>
+            </a:r>
+            <a:br>
+              <a:rPr lang="en" sz="1600" b="1">
+                <a:latin typeface="Consolas"/>
+                <a:ea typeface="Consolas"/>
+                <a:cs typeface="Consolas"/>
+                <a:sym typeface="Consolas"/>
+              </a:rPr>
+            </a:br>
+            <a:r>
+              <a:rPr lang="en" sz="1600" b="1">
+                <a:latin typeface="Consolas"/>
+                <a:ea typeface="Consolas"/>
+                <a:cs typeface="Consolas"/>
+                <a:sym typeface="Consolas"/>
+              </a:rPr>
+              <a:t>   dog.x -= 1</a:t>
+            </a:r>
+            <a:br>
+              <a:rPr lang="en" sz="1600" b="1">
+                <a:latin typeface="Consolas"/>
+                <a:ea typeface="Consolas"/>
+                <a:cs typeface="Consolas"/>
+                <a:sym typeface="Consolas"/>
+              </a:rPr>
+            </a:br>
+            <a:r>
+              <a:rPr lang="en" sz="1600" b="1">
+                <a:latin typeface="Consolas"/>
+                <a:ea typeface="Consolas"/>
+                <a:cs typeface="Consolas"/>
+                <a:sym typeface="Consolas"/>
+              </a:rPr>
+              <a:t>   dog.redraw()</a:t>
+            </a:r>
+            <a:endParaRPr sz="1600" b="1">
+              <a:latin typeface="Consolas"/>
+              <a:ea typeface="Consolas"/>
+              <a:cs typeface="Consolas"/>
+              <a:sym typeface="Consolas"/>
+            </a:endParaRPr>
+          </a:p>
+        </p:txBody>
+      </p:sp>
+      <p:sp>
+        <p:nvSpPr>
+          <p:cNvPr id="150" name="Google Shape;150;p25"/>
+          <p:cNvSpPr txBox="1">
+            <a:spLocks noGrp="1"/>
+          </p:cNvSpPr>
+          <p:nvPr>
+            <p:ph type="body" idx="2"/>
+          </p:nvPr>
+        </p:nvSpPr>
+        <p:spPr>
+          <a:xfrm>
+            <a:off x="428850" y="2226400"/>
+            <a:ext cx="3999900" cy="2697300"/>
+          </a:xfrm>
+          <a:prstGeom prst="rect">
+            <a:avLst/>
+          </a:prstGeom>
+        </p:spPr>
+        <p:txBody>
+          <a:bodyPr spcFirstLastPara="1" wrap="square" lIns="91425" tIns="91425" rIns="91425" bIns="91425" anchor="t" anchorCtr="0">
+            <a:noAutofit/>
+          </a:bodyPr>
+          <a:lstStyle/>
+          <a:p>
+            <a:pPr marL="0" lvl="0" indent="0" algn="l" rtl="0">
+              <a:spcBef>
+                <a:spcPts val="0"/>
+              </a:spcBef>
+              <a:spcAft>
+                <a:spcPts val="0"/>
+              </a:spcAft>
+              <a:buNone/>
+            </a:pPr>
+            <a:r>
+              <a:rPr lang="en" sz="1600" b="1"/>
+              <a:t>Variables</a:t>
+            </a:r>
+            <a:endParaRPr sz="1600" b="1"/>
+          </a:p>
+          <a:p>
+            <a:pPr marL="0" lvl="0" indent="0" algn="l" rtl="0">
+              <a:spcBef>
+                <a:spcPts val="1600"/>
+              </a:spcBef>
+              <a:spcAft>
+                <a:spcPts val="0"/>
+              </a:spcAft>
+              <a:buNone/>
+            </a:pPr>
+            <a:r>
+              <a:rPr lang="en" sz="1600" b="1">
+                <a:solidFill>
+                  <a:srgbClr val="5F3992"/>
+                </a:solidFill>
+                <a:latin typeface="Consolas"/>
+                <a:ea typeface="Consolas"/>
+                <a:cs typeface="Consolas"/>
+                <a:sym typeface="Consolas"/>
+              </a:rPr>
+              <a:t>time_left_til_end_of_class</a:t>
+            </a:r>
+            <a:r>
+              <a:rPr lang="en" sz="1600" b="1">
+                <a:latin typeface="Consolas"/>
+                <a:ea typeface="Consolas"/>
+                <a:cs typeface="Consolas"/>
+                <a:sym typeface="Consolas"/>
+              </a:rPr>
+              <a:t> = 35</a:t>
+            </a:r>
+            <a:endParaRPr sz="1600" b="1">
+              <a:latin typeface="Consolas"/>
+              <a:ea typeface="Consolas"/>
+              <a:cs typeface="Consolas"/>
+              <a:sym typeface="Consolas"/>
+            </a:endParaRPr>
+          </a:p>
+          <a:p>
+            <a:pPr marL="0" lvl="0" indent="0" algn="l" rtl="0">
+              <a:spcBef>
+                <a:spcPts val="1600"/>
+              </a:spcBef>
+              <a:spcAft>
+                <a:spcPts val="0"/>
+              </a:spcAft>
+              <a:buNone/>
+            </a:pPr>
+            <a:r>
+              <a:rPr lang="en" sz="1600" b="1">
+                <a:solidFill>
+                  <a:srgbClr val="5F3992"/>
+                </a:solidFill>
+                <a:latin typeface="Consolas"/>
+                <a:ea typeface="Consolas"/>
+                <a:cs typeface="Consolas"/>
+                <a:sym typeface="Consolas"/>
+              </a:rPr>
+              <a:t>first_name</a:t>
+            </a:r>
+            <a:r>
+              <a:rPr lang="en" sz="1600" b="1">
+                <a:latin typeface="Consolas"/>
+                <a:ea typeface="Consolas"/>
+                <a:cs typeface="Consolas"/>
+                <a:sym typeface="Consolas"/>
+              </a:rPr>
+              <a:t> = 'Jazmin'</a:t>
+            </a:r>
+            <a:endParaRPr sz="1600" b="1">
+              <a:latin typeface="Consolas"/>
+              <a:ea typeface="Consolas"/>
+              <a:cs typeface="Consolas"/>
+              <a:sym typeface="Consolas"/>
+            </a:endParaRPr>
+          </a:p>
+          <a:p>
+            <a:pPr marL="0" lvl="0" indent="0" algn="l" rtl="0">
+              <a:spcBef>
+                <a:spcPts val="1600"/>
+              </a:spcBef>
+              <a:spcAft>
+                <a:spcPts val="1600"/>
+              </a:spcAft>
+              <a:buClr>
+                <a:schemeClr val="dk1"/>
+              </a:buClr>
+              <a:buSzPts val="1100"/>
+              <a:buFont typeface="Arial"/>
+              <a:buNone/>
+            </a:pPr>
+            <a:r>
+              <a:rPr lang="en" sz="1600" b="1">
+                <a:solidFill>
+                  <a:srgbClr val="5F3992"/>
+                </a:solidFill>
+                <a:latin typeface="Consolas"/>
+                <a:ea typeface="Consolas"/>
+                <a:cs typeface="Consolas"/>
+                <a:sym typeface="Consolas"/>
+              </a:rPr>
+              <a:t>last_name</a:t>
+            </a:r>
+            <a:r>
+              <a:rPr lang="en" sz="1600" b="1">
+                <a:latin typeface="Consolas"/>
+                <a:ea typeface="Consolas"/>
+                <a:cs typeface="Consolas"/>
+                <a:sym typeface="Consolas"/>
+              </a:rPr>
+              <a:t> = 'Morales'</a:t>
+            </a:r>
+            <a:endParaRPr sz="1600" b="1">
+              <a:latin typeface="Consolas"/>
+              <a:ea typeface="Consolas"/>
+              <a:cs typeface="Consolas"/>
+              <a:sym typeface="Consolas"/>
+            </a:endParaRPr>
+          </a:p>
+        </p:txBody>
+      </p:sp>
+      <p:sp>
+        <p:nvSpPr>
+          <p:cNvPr id="151" name="Google Shape;151;p25"/>
+          <p:cNvSpPr txBox="1">
+            <a:spLocks noGrp="1"/>
+          </p:cNvSpPr>
+          <p:nvPr>
+            <p:ph type="sldNum" idx="12"/>
+          </p:nvPr>
+        </p:nvSpPr>
+        <p:spPr>
+          <a:xfrm>
+            <a:off x="8472458" y="4663217"/>
+            <a:ext cx="548700" cy="393600"/>
+          </a:xfrm>
+          <a:prstGeom prst="rect">
+            <a:avLst/>
+          </a:prstGeom>
+        </p:spPr>
+        <p:txBody>
+          <a:bodyPr spcFirstLastPara="1" wrap="square" lIns="91425" tIns="91425" rIns="91425" bIns="91425" anchor="ctr" anchorCtr="0">
+            <a:noAutofit/>
+          </a:bodyPr>
+          <a:lstStyle/>
+          <a:p>
+            <a:pPr marL="0" lvl="0" indent="0" algn="r" rtl="0">
+              <a:spcBef>
+                <a:spcPts val="0"/>
+              </a:spcBef>
+              <a:spcAft>
+                <a:spcPts val="0"/>
+              </a:spcAft>
+              <a:buClr>
+                <a:srgbClr val="000000"/>
+              </a:buClr>
+              <a:buSzPts val="1100"/>
+              <a:buFont typeface="Arial"/>
+              <a:buNone/>
+            </a:pPr>
+            <a:fld id="{00000000-1234-1234-1234-123412341234}" type="slidenum">
+              <a:rPr lang="en"/>
+              <a:t>20</a:t>
+            </a:fld>
+            <a:endParaRPr/>
+          </a:p>
+        </p:txBody>
+      </p:sp>
+      <p:sp>
+        <p:nvSpPr>
+          <p:cNvPr id="152" name="Google Shape;152;p25"/>
+          <p:cNvSpPr txBox="1">
+            <a:spLocks noGrp="1"/>
+          </p:cNvSpPr>
+          <p:nvPr>
+            <p:ph type="body" idx="1"/>
+          </p:nvPr>
+        </p:nvSpPr>
+        <p:spPr>
+          <a:xfrm>
+            <a:off x="311700" y="1152475"/>
+            <a:ext cx="8520600" cy="609300"/>
+          </a:xfrm>
+          <a:prstGeom prst="rect">
+            <a:avLst/>
+          </a:prstGeom>
+        </p:spPr>
+        <p:txBody>
+          <a:bodyPr spcFirstLastPara="1" wrap="square" lIns="91425" tIns="91425" rIns="91425" bIns="91425" anchor="t" anchorCtr="0">
+            <a:noAutofit/>
+          </a:bodyPr>
+          <a:lstStyle/>
+          <a:p>
+            <a:pPr marL="0" lvl="0" indent="0" algn="l" rtl="0">
+              <a:lnSpc>
+                <a:spcPct val="100000"/>
+              </a:lnSpc>
+              <a:spcBef>
+                <a:spcPts val="0"/>
+              </a:spcBef>
+              <a:spcAft>
+                <a:spcPts val="0"/>
+              </a:spcAft>
+              <a:buNone/>
+            </a:pPr>
+            <a:r>
+              <a:rPr lang="en" sz="1800">
+                <a:solidFill>
+                  <a:srgbClr val="222222"/>
+                </a:solidFill>
+                <a:highlight>
+                  <a:srgbClr val="FFFFFF"/>
+                </a:highlight>
+              </a:rPr>
+              <a:t>Examples of snake case variables and functions: </a:t>
+            </a:r>
+            <a:endParaRPr sz="1800">
+              <a:solidFill>
+                <a:srgbClr val="222222"/>
+              </a:solidFill>
+              <a:highlight>
+                <a:srgbClr val="FFFFFF"/>
+              </a:highlight>
+            </a:endParaRPr>
+          </a:p>
+        </p:txBody>
+      </p:sp>
+    </p:spTree>
+  </p:cSld>
+  <p:clrMapOvr>
+    <a:masterClrMapping/>
+  </p:clrMapOvr>
+</p:sld>
+</file>
+
+<file path=ppt/slides/slide21.xml><?xml version="1.0" encoding="utf-8"?>
+<p:sld xmlns:a="http://schemas.openxmlformats.org/drawingml/2006/main" xmlns:r="http://schemas.openxmlformats.org/officeDocument/2006/relationships" xmlns:p="http://schemas.openxmlformats.org/presentationml/2006/main">
+  <p:cSld>
+    <p:spTree>
+      <p:nvGrpSpPr>
         <p:cNvPr id="1" name="Shape 156"/>
         <p:cNvGrpSpPr/>
         <p:nvPr/>
@@ -17626,7 +17902,7 @@
             </a:pPr>
             <a:fld id="{00000000-1234-1234-1234-123412341234}" type="slidenum">
               <a:rPr lang="en"/>
-              <a:t>20</a:t>
+              <a:t>21</a:t>
             </a:fld>
             <a:endParaRPr/>
           </a:p>
@@ -17699,7 +17975,7 @@
 </p:sld>
 </file>
 
-<file path=ppt/slides/slide21.xml><?xml version="1.0" encoding="utf-8"?>
+<file path=ppt/slides/slide22.xml><?xml version="1.0" encoding="utf-8"?>
 <p:sld xmlns:a="http://schemas.openxmlformats.org/drawingml/2006/main" xmlns:r="http://schemas.openxmlformats.org/officeDocument/2006/relationships" xmlns:p="http://schemas.openxmlformats.org/presentationml/2006/main">
   <p:cSld>
     <p:spTree>
@@ -18017,7 +18293,7 @@
             </a:pPr>
             <a:fld id="{00000000-1234-1234-1234-123412341234}" type="slidenum">
               <a:rPr lang="en"/>
-              <a:t>21</a:t>
+              <a:t>22</a:t>
             </a:fld>
             <a:endParaRPr/>
           </a:p>
@@ -18090,7 +18366,7 @@
 </p:sld>
 </file>
 
-<file path=ppt/slides/slide22.xml><?xml version="1.0" encoding="utf-8"?>
+<file path=ppt/slides/slide23.xml><?xml version="1.0" encoding="utf-8"?>
 <p:sld xmlns:a="http://schemas.openxmlformats.org/drawingml/2006/main" xmlns:r="http://schemas.openxmlformats.org/officeDocument/2006/relationships" xmlns:p="http://schemas.openxmlformats.org/presentationml/2006/main">
   <p:cSld>
     <p:spTree>
@@ -18380,7 +18656,7 @@
             </a:pPr>
             <a:fld id="{00000000-1234-1234-1234-123412341234}" type="slidenum">
               <a:rPr lang="en"/>
-              <a:t>22</a:t>
+              <a:t>23</a:t>
             </a:fld>
             <a:endParaRPr/>
           </a:p>
@@ -18764,7 +19040,7 @@
 </p:sld>
 </file>
 
-<file path=ppt/slides/slide23.xml><?xml version="1.0" encoding="utf-8"?>
+<file path=ppt/slides/slide24.xml><?xml version="1.0" encoding="utf-8"?>
 <p:sld xmlns:a="http://schemas.openxmlformats.org/drawingml/2006/main" xmlns:r="http://schemas.openxmlformats.org/officeDocument/2006/relationships" xmlns:p="http://schemas.openxmlformats.org/presentationml/2006/main">
   <p:cSld>
     <p:spTree>
@@ -19046,7 +19322,7 @@
             </a:pPr>
             <a:fld id="{00000000-1234-1234-1234-123412341234}" type="slidenum">
               <a:rPr lang="en"/>
-              <a:t>23</a:t>
+              <a:t>24</a:t>
             </a:fld>
             <a:endParaRPr/>
           </a:p>
@@ -19335,7 +19611,7 @@
 </p:sld>
 </file>
 
-<file path=ppt/slides/slide24.xml><?xml version="1.0" encoding="utf-8"?>
+<file path=ppt/slides/slide25.xml><?xml version="1.0" encoding="utf-8"?>
 <p:sld xmlns:a="http://schemas.openxmlformats.org/drawingml/2006/main" xmlns:r="http://schemas.openxmlformats.org/officeDocument/2006/relationships" xmlns:p="http://schemas.openxmlformats.org/presentationml/2006/main">
   <p:cSld>
     <p:spTree>
@@ -19722,7 +19998,7 @@
             </a:pPr>
             <a:fld id="{00000000-1234-1234-1234-123412341234}" type="slidenum">
               <a:rPr lang="en"/>
-              <a:t>24</a:t>
+              <a:t>25</a:t>
             </a:fld>
             <a:endParaRPr/>
           </a:p>
@@ -19858,7 +20134,7 @@
 </p:sld>
 </file>
 
-<file path=ppt/slides/slide25.xml><?xml version="1.0" encoding="utf-8"?>
+<file path=ppt/slides/slide26.xml><?xml version="1.0" encoding="utf-8"?>
 <p:sld xmlns:a="http://schemas.openxmlformats.org/drawingml/2006/main" xmlns:r="http://schemas.openxmlformats.org/officeDocument/2006/relationships" xmlns:p="http://schemas.openxmlformats.org/presentationml/2006/main">
   <p:cSld>
     <p:spTree>
@@ -20124,7 +20400,7 @@
             </a:pPr>
             <a:fld id="{00000000-1234-1234-1234-123412341234}" type="slidenum">
               <a:rPr lang="en"/>
-              <a:t>25</a:t>
+              <a:t>26</a:t>
             </a:fld>
             <a:endParaRPr/>
           </a:p>
@@ -20138,7 +20414,7 @@
 </p:sld>
 </file>
 
-<file path=ppt/slides/slide26.xml><?xml version="1.0" encoding="utf-8"?>
+<file path=ppt/slides/slide27.xml><?xml version="1.0" encoding="utf-8"?>
 <p:sld xmlns:a="http://schemas.openxmlformats.org/drawingml/2006/main" xmlns:r="http://schemas.openxmlformats.org/officeDocument/2006/relationships" xmlns:p="http://schemas.openxmlformats.org/presentationml/2006/main">
   <p:cSld>
     <p:spTree>
@@ -20442,7 +20718,7 @@
             </a:pPr>
             <a:fld id="{00000000-1234-1234-1234-123412341234}" type="slidenum">
               <a:rPr lang="en"/>
-              <a:t>26</a:t>
+              <a:t>27</a:t>
             </a:fld>
             <a:endParaRPr/>
           </a:p>
@@ -20456,7 +20732,7 @@
 </p:sld>
 </file>
 
-<file path=ppt/slides/slide27.xml><?xml version="1.0" encoding="utf-8"?>
+<file path=ppt/slides/slide28.xml><?xml version="1.0" encoding="utf-8"?>
 <p:sld xmlns:a="http://schemas.openxmlformats.org/drawingml/2006/main" xmlns:r="http://schemas.openxmlformats.org/officeDocument/2006/relationships" xmlns:p="http://schemas.openxmlformats.org/presentationml/2006/main">
   <p:cSld>
     <p:spTree>
@@ -21294,7 +21570,7 @@
             </a:pPr>
             <a:fld id="{00000000-1234-1234-1234-123412341234}" type="slidenum">
               <a:rPr lang="en"/>
-              <a:t>27</a:t>
+              <a:t>28</a:t>
             </a:fld>
             <a:endParaRPr/>
           </a:p>
@@ -21308,7 +21584,7 @@
 </p:sld>
 </file>
 
-<file path=ppt/slides/slide28.xml><?xml version="1.0" encoding="utf-8"?>
+<file path=ppt/slides/slide29.xml><?xml version="1.0" encoding="utf-8"?>
 <p:sld xmlns:a="http://schemas.openxmlformats.org/drawingml/2006/main" xmlns:r="http://schemas.openxmlformats.org/officeDocument/2006/relationships" xmlns:p="http://schemas.openxmlformats.org/presentationml/2006/main">
   <p:cSld>
     <p:spTree>
@@ -21556,175 +21832,6 @@
               </a:buClr>
               <a:buSzPts val="1100"/>
               <a:buFont typeface="Arial"/>
-              <a:buNone/>
-            </a:pPr>
-            <a:fld id="{00000000-1234-1234-1234-123412341234}" type="slidenum">
-              <a:rPr lang="en"/>
-              <a:t>28</a:t>
-            </a:fld>
-            <a:endParaRPr/>
-          </a:p>
-        </p:txBody>
-      </p:sp>
-    </p:spTree>
-  </p:cSld>
-  <p:clrMapOvr>
-    <a:masterClrMapping/>
-  </p:clrMapOvr>
-</p:sld>
-</file>
-
-<file path=ppt/slides/slide29.xml><?xml version="1.0" encoding="utf-8"?>
-<p:sld xmlns:a="http://schemas.openxmlformats.org/drawingml/2006/main" xmlns:r="http://schemas.openxmlformats.org/officeDocument/2006/relationships" xmlns:p="http://schemas.openxmlformats.org/presentationml/2006/main">
-  <p:cSld>
-    <p:spTree>
-      <p:nvGrpSpPr>
-        <p:cNvPr id="1" name="Shape 225"/>
-        <p:cNvGrpSpPr/>
-        <p:nvPr/>
-      </p:nvGrpSpPr>
-      <p:grpSpPr>
-        <a:xfrm>
-          <a:off x="0" y="0"/>
-          <a:ext cx="0" cy="0"/>
-          <a:chOff x="0" y="0"/>
-          <a:chExt cx="0" cy="0"/>
-        </a:xfrm>
-      </p:grpSpPr>
-      <p:sp>
-        <p:nvSpPr>
-          <p:cNvPr id="226" name="Google Shape;226;p35"/>
-          <p:cNvSpPr txBox="1">
-            <a:spLocks noGrp="1"/>
-          </p:cNvSpPr>
-          <p:nvPr>
-            <p:ph type="title"/>
-          </p:nvPr>
-        </p:nvSpPr>
-        <p:spPr>
-          <a:xfrm>
-            <a:off x="311700" y="445025"/>
-            <a:ext cx="8520600" cy="572700"/>
-          </a:xfrm>
-          <a:prstGeom prst="rect">
-            <a:avLst/>
-          </a:prstGeom>
-        </p:spPr>
-        <p:txBody>
-          <a:bodyPr spcFirstLastPara="1" wrap="square" lIns="91425" tIns="91425" rIns="91425" bIns="91425" anchor="t" anchorCtr="0">
-            <a:noAutofit/>
-          </a:bodyPr>
-          <a:lstStyle/>
-          <a:p>
-            <a:pPr marL="0" lvl="0" indent="0" algn="l" rtl="0">
-              <a:spcBef>
-                <a:spcPts val="0"/>
-              </a:spcBef>
-              <a:spcAft>
-                <a:spcPts val="0"/>
-              </a:spcAft>
-              <a:buNone/>
-            </a:pPr>
-            <a:r>
-              <a:rPr lang="en"/>
-              <a:t>Operators</a:t>
-            </a:r>
-            <a:endParaRPr/>
-          </a:p>
-        </p:txBody>
-      </p:sp>
-      <p:sp>
-        <p:nvSpPr>
-          <p:cNvPr id="227" name="Google Shape;227;p35"/>
-          <p:cNvSpPr txBox="1">
-            <a:spLocks noGrp="1"/>
-          </p:cNvSpPr>
-          <p:nvPr>
-            <p:ph type="body" idx="1"/>
-          </p:nvPr>
-        </p:nvSpPr>
-        <p:spPr>
-          <a:xfrm>
-            <a:off x="311700" y="1152475"/>
-            <a:ext cx="8520600" cy="3416400"/>
-          </a:xfrm>
-          <a:prstGeom prst="rect">
-            <a:avLst/>
-          </a:prstGeom>
-        </p:spPr>
-        <p:txBody>
-          <a:bodyPr spcFirstLastPara="1" wrap="square" lIns="91425" tIns="91425" rIns="91425" bIns="91425" anchor="t" anchorCtr="0">
-            <a:noAutofit/>
-          </a:bodyPr>
-          <a:lstStyle/>
-          <a:p>
-            <a:pPr marL="457200" lvl="0" indent="-342900" algn="l" rtl="0">
-              <a:spcBef>
-                <a:spcPts val="0"/>
-              </a:spcBef>
-              <a:spcAft>
-                <a:spcPts val="0"/>
-              </a:spcAft>
-              <a:buSzPts val="1800"/>
-              <a:buChar char="-"/>
-            </a:pPr>
-            <a:r>
-              <a:rPr lang="en"/>
-              <a:t>Operators are special symbols that carry out arithmetic or logical computation</a:t>
-            </a:r>
-            <a:endParaRPr/>
-          </a:p>
-          <a:p>
-            <a:pPr marL="457200" lvl="0" indent="-342900" algn="l" rtl="0">
-              <a:spcBef>
-                <a:spcPts val="0"/>
-              </a:spcBef>
-              <a:spcAft>
-                <a:spcPts val="0"/>
-              </a:spcAft>
-              <a:buSzPts val="1800"/>
-              <a:buChar char="-"/>
-            </a:pPr>
-            <a:r>
-              <a:rPr lang="en"/>
-              <a:t>The value(s) that the operator operates on is called the operand</a:t>
-            </a:r>
-            <a:endParaRPr/>
-          </a:p>
-        </p:txBody>
-      </p:sp>
-      <p:sp>
-        <p:nvSpPr>
-          <p:cNvPr id="228" name="Google Shape;228;p35"/>
-          <p:cNvSpPr txBox="1">
-            <a:spLocks noGrp="1"/>
-          </p:cNvSpPr>
-          <p:nvPr>
-            <p:ph type="sldNum" idx="12"/>
-          </p:nvPr>
-        </p:nvSpPr>
-        <p:spPr>
-          <a:xfrm>
-            <a:off x="8472458" y="4663217"/>
-            <a:ext cx="548700" cy="393600"/>
-          </a:xfrm>
-          <a:prstGeom prst="rect">
-            <a:avLst/>
-          </a:prstGeom>
-        </p:spPr>
-        <p:txBody>
-          <a:bodyPr spcFirstLastPara="1" wrap="square" lIns="91425" tIns="91425" rIns="91425" bIns="91425" anchor="ctr" anchorCtr="0">
-            <a:noAutofit/>
-          </a:bodyPr>
-          <a:lstStyle/>
-          <a:p>
-            <a:pPr marL="0" lvl="0" indent="0" algn="r" rtl="0">
-              <a:spcBef>
-                <a:spcPts val="0"/>
-              </a:spcBef>
-              <a:spcAft>
-                <a:spcPts val="0"/>
-              </a:spcAft>
               <a:buNone/>
             </a:pPr>
             <a:fld id="{00000000-1234-1234-1234-123412341234}" type="slidenum">
@@ -22103,6 +22210,175 @@
   <p:cSld>
     <p:spTree>
       <p:nvGrpSpPr>
+        <p:cNvPr id="1" name="Shape 225"/>
+        <p:cNvGrpSpPr/>
+        <p:nvPr/>
+      </p:nvGrpSpPr>
+      <p:grpSpPr>
+        <a:xfrm>
+          <a:off x="0" y="0"/>
+          <a:ext cx="0" cy="0"/>
+          <a:chOff x="0" y="0"/>
+          <a:chExt cx="0" cy="0"/>
+        </a:xfrm>
+      </p:grpSpPr>
+      <p:sp>
+        <p:nvSpPr>
+          <p:cNvPr id="226" name="Google Shape;226;p35"/>
+          <p:cNvSpPr txBox="1">
+            <a:spLocks noGrp="1"/>
+          </p:cNvSpPr>
+          <p:nvPr>
+            <p:ph type="title"/>
+          </p:nvPr>
+        </p:nvSpPr>
+        <p:spPr>
+          <a:xfrm>
+            <a:off x="311700" y="445025"/>
+            <a:ext cx="8520600" cy="572700"/>
+          </a:xfrm>
+          <a:prstGeom prst="rect">
+            <a:avLst/>
+          </a:prstGeom>
+        </p:spPr>
+        <p:txBody>
+          <a:bodyPr spcFirstLastPara="1" wrap="square" lIns="91425" tIns="91425" rIns="91425" bIns="91425" anchor="t" anchorCtr="0">
+            <a:noAutofit/>
+          </a:bodyPr>
+          <a:lstStyle/>
+          <a:p>
+            <a:pPr marL="0" lvl="0" indent="0" algn="l" rtl="0">
+              <a:spcBef>
+                <a:spcPts val="0"/>
+              </a:spcBef>
+              <a:spcAft>
+                <a:spcPts val="0"/>
+              </a:spcAft>
+              <a:buNone/>
+            </a:pPr>
+            <a:r>
+              <a:rPr lang="en"/>
+              <a:t>Operators</a:t>
+            </a:r>
+            <a:endParaRPr/>
+          </a:p>
+        </p:txBody>
+      </p:sp>
+      <p:sp>
+        <p:nvSpPr>
+          <p:cNvPr id="227" name="Google Shape;227;p35"/>
+          <p:cNvSpPr txBox="1">
+            <a:spLocks noGrp="1"/>
+          </p:cNvSpPr>
+          <p:nvPr>
+            <p:ph type="body" idx="1"/>
+          </p:nvPr>
+        </p:nvSpPr>
+        <p:spPr>
+          <a:xfrm>
+            <a:off x="311700" y="1152475"/>
+            <a:ext cx="8520600" cy="3416400"/>
+          </a:xfrm>
+          <a:prstGeom prst="rect">
+            <a:avLst/>
+          </a:prstGeom>
+        </p:spPr>
+        <p:txBody>
+          <a:bodyPr spcFirstLastPara="1" wrap="square" lIns="91425" tIns="91425" rIns="91425" bIns="91425" anchor="t" anchorCtr="0">
+            <a:noAutofit/>
+          </a:bodyPr>
+          <a:lstStyle/>
+          <a:p>
+            <a:pPr marL="457200" lvl="0" indent="-342900" algn="l" rtl="0">
+              <a:spcBef>
+                <a:spcPts val="0"/>
+              </a:spcBef>
+              <a:spcAft>
+                <a:spcPts val="0"/>
+              </a:spcAft>
+              <a:buSzPts val="1800"/>
+              <a:buChar char="-"/>
+            </a:pPr>
+            <a:r>
+              <a:rPr lang="en"/>
+              <a:t>Operators are special symbols that carry out arithmetic or logical computation</a:t>
+            </a:r>
+            <a:endParaRPr/>
+          </a:p>
+          <a:p>
+            <a:pPr marL="457200" lvl="0" indent="-342900" algn="l" rtl="0">
+              <a:spcBef>
+                <a:spcPts val="0"/>
+              </a:spcBef>
+              <a:spcAft>
+                <a:spcPts val="0"/>
+              </a:spcAft>
+              <a:buSzPts val="1800"/>
+              <a:buChar char="-"/>
+            </a:pPr>
+            <a:r>
+              <a:rPr lang="en"/>
+              <a:t>The value(s) that the operator operates on is called the operand</a:t>
+            </a:r>
+            <a:endParaRPr/>
+          </a:p>
+        </p:txBody>
+      </p:sp>
+      <p:sp>
+        <p:nvSpPr>
+          <p:cNvPr id="228" name="Google Shape;228;p35"/>
+          <p:cNvSpPr txBox="1">
+            <a:spLocks noGrp="1"/>
+          </p:cNvSpPr>
+          <p:nvPr>
+            <p:ph type="sldNum" idx="12"/>
+          </p:nvPr>
+        </p:nvSpPr>
+        <p:spPr>
+          <a:xfrm>
+            <a:off x="8472458" y="4663217"/>
+            <a:ext cx="548700" cy="393600"/>
+          </a:xfrm>
+          <a:prstGeom prst="rect">
+            <a:avLst/>
+          </a:prstGeom>
+        </p:spPr>
+        <p:txBody>
+          <a:bodyPr spcFirstLastPara="1" wrap="square" lIns="91425" tIns="91425" rIns="91425" bIns="91425" anchor="ctr" anchorCtr="0">
+            <a:noAutofit/>
+          </a:bodyPr>
+          <a:lstStyle/>
+          <a:p>
+            <a:pPr marL="0" lvl="0" indent="0" algn="r" rtl="0">
+              <a:spcBef>
+                <a:spcPts val="0"/>
+              </a:spcBef>
+              <a:spcAft>
+                <a:spcPts val="0"/>
+              </a:spcAft>
+              <a:buNone/>
+            </a:pPr>
+            <a:fld id="{00000000-1234-1234-1234-123412341234}" type="slidenum">
+              <a:rPr lang="en"/>
+              <a:t>30</a:t>
+            </a:fld>
+            <a:endParaRPr/>
+          </a:p>
+        </p:txBody>
+      </p:sp>
+    </p:spTree>
+  </p:cSld>
+  <p:clrMapOvr>
+    <a:masterClrMapping/>
+  </p:clrMapOvr>
+</p:sld>
+</file>
+
+<file path=ppt/slides/slide31.xml><?xml version="1.0" encoding="utf-8"?>
+<p:sld xmlns:a="http://schemas.openxmlformats.org/drawingml/2006/main" xmlns:r="http://schemas.openxmlformats.org/officeDocument/2006/relationships" xmlns:p="http://schemas.openxmlformats.org/presentationml/2006/main">
+  <p:cSld>
+    <p:spTree>
+      <p:nvGrpSpPr>
         <p:cNvPr id="1" name="Shape 232"/>
         <p:cNvGrpSpPr/>
         <p:nvPr/>
@@ -22198,7 +22474,7 @@
             </a:pPr>
             <a:fld id="{00000000-1234-1234-1234-123412341234}" type="slidenum">
               <a:rPr lang="en"/>
-              <a:t>30</a:t>
+              <a:t>31</a:t>
             </a:fld>
             <a:endParaRPr/>
           </a:p>
@@ -22304,7 +22580,7 @@
 </p:sld>
 </file>
 
-<file path=ppt/slides/slide31.xml><?xml version="1.0" encoding="utf-8"?>
+<file path=ppt/slides/slide32.xml><?xml version="1.0" encoding="utf-8"?>
 <p:sld xmlns:a="http://schemas.openxmlformats.org/drawingml/2006/main" xmlns:r="http://schemas.openxmlformats.org/officeDocument/2006/relationships" xmlns:p="http://schemas.openxmlformats.org/presentationml/2006/main">
   <p:cSld>
     <p:spTree>
@@ -22404,7 +22680,7 @@
             </a:pPr>
             <a:fld id="{00000000-1234-1234-1234-123412341234}" type="slidenum">
               <a:rPr lang="en"/>
-              <a:t>31</a:t>
+              <a:t>32</a:t>
             </a:fld>
             <a:endParaRPr/>
           </a:p>
@@ -22969,7 +23245,7 @@
 </p:sld>
 </file>
 
-<file path=ppt/slides/slide32.xml><?xml version="1.0" encoding="utf-8"?>
+<file path=ppt/slides/slide33.xml><?xml version="1.0" encoding="utf-8"?>
 <p:sld xmlns:a="http://schemas.openxmlformats.org/drawingml/2006/main" xmlns:r="http://schemas.openxmlformats.org/officeDocument/2006/relationships" xmlns:p="http://schemas.openxmlformats.org/presentationml/2006/main">
   <p:cSld>
     <p:spTree>
@@ -23069,7 +23345,7 @@
             </a:pPr>
             <a:fld id="{00000000-1234-1234-1234-123412341234}" type="slidenum">
               <a:rPr lang="en"/>
-              <a:t>32</a:t>
+              <a:t>33</a:t>
             </a:fld>
             <a:endParaRPr/>
           </a:p>
@@ -23832,7 +24108,7 @@
 </p:sld>
 </file>
 
-<file path=ppt/slides/slide33.xml><?xml version="1.0" encoding="utf-8"?>
+<file path=ppt/slides/slide34.xml><?xml version="1.0" encoding="utf-8"?>
 <p:sld xmlns:a="http://schemas.openxmlformats.org/drawingml/2006/main" xmlns:r="http://schemas.openxmlformats.org/officeDocument/2006/relationships" xmlns:p="http://schemas.openxmlformats.org/presentationml/2006/main">
   <p:cSld>
     <p:spTree>
@@ -23932,7 +24208,7 @@
             </a:pPr>
             <a:fld id="{00000000-1234-1234-1234-123412341234}" type="slidenum">
               <a:rPr lang="en"/>
-              <a:t>33</a:t>
+              <a:t>34</a:t>
             </a:fld>
             <a:endParaRPr/>
           </a:p>
@@ -24704,7 +24980,7 @@
 </p:sld>
 </file>
 
-<file path=ppt/slides/slide34.xml><?xml version="1.0" encoding="utf-8"?>
+<file path=ppt/slides/slide35.xml><?xml version="1.0" encoding="utf-8"?>
 <p:sld xmlns:a="http://schemas.openxmlformats.org/drawingml/2006/main" xmlns:r="http://schemas.openxmlformats.org/officeDocument/2006/relationships" xmlns:p="http://schemas.openxmlformats.org/presentationml/2006/main">
   <p:cSld>
     <p:spTree>
@@ -24875,7 +25151,7 @@
             </a:pPr>
             <a:fld id="{00000000-1234-1234-1234-123412341234}" type="slidenum">
               <a:rPr lang="en"/>
-              <a:t>34</a:t>
+              <a:t>35</a:t>
             </a:fld>
             <a:endParaRPr/>
           </a:p>
@@ -26539,7 +26815,7 @@
 </p:sld>
 </file>
 
-<file path=ppt/slides/slide35.xml><?xml version="1.0" encoding="utf-8"?>
+<file path=ppt/slides/slide36.xml><?xml version="1.0" encoding="utf-8"?>
 <p:sld xmlns:a="http://schemas.openxmlformats.org/drawingml/2006/main" xmlns:r="http://schemas.openxmlformats.org/officeDocument/2006/relationships" xmlns:p="http://schemas.openxmlformats.org/presentationml/2006/main">
   <p:cSld>
     <p:spTree>
@@ -26681,7 +26957,7 @@
             </a:pPr>
             <a:fld id="{00000000-1234-1234-1234-123412341234}" type="slidenum">
               <a:rPr lang="en"/>
-              <a:t>35</a:t>
+              <a:t>36</a:t>
             </a:fld>
             <a:endParaRPr/>
           </a:p>
@@ -27625,7 +27901,7 @@
 </p:sld>
 </file>
 
-<file path=ppt/slides/slide36.xml><?xml version="1.0" encoding="utf-8"?>
+<file path=ppt/slides/slide37.xml><?xml version="1.0" encoding="utf-8"?>
 <p:sld xmlns:a="http://schemas.openxmlformats.org/drawingml/2006/main" xmlns:r="http://schemas.openxmlformats.org/officeDocument/2006/relationships" xmlns:p="http://schemas.openxmlformats.org/presentationml/2006/main">
   <p:cSld>
     <p:spTree>
@@ -28036,7 +28312,7 @@
             </a:pPr>
             <a:fld id="{00000000-1234-1234-1234-123412341234}" type="slidenum">
               <a:rPr lang="en"/>
-              <a:t>36</a:t>
+              <a:t>37</a:t>
             </a:fld>
             <a:endParaRPr/>
           </a:p>
@@ -28050,7 +28326,7 @@
 </p:sld>
 </file>
 
-<file path=ppt/slides/slide37.xml><?xml version="1.0" encoding="utf-8"?>
+<file path=ppt/slides/slide38.xml><?xml version="1.0" encoding="utf-8"?>
 <p:sld xmlns:a="http://schemas.openxmlformats.org/drawingml/2006/main" xmlns:r="http://schemas.openxmlformats.org/officeDocument/2006/relationships" xmlns:p="http://schemas.openxmlformats.org/presentationml/2006/main">
   <p:cSld>
     <p:spTree>
@@ -28461,7 +28737,7 @@
             </a:pPr>
             <a:fld id="{00000000-1234-1234-1234-123412341234}" type="slidenum">
               <a:rPr lang="en"/>
-              <a:t>37</a:t>
+              <a:t>38</a:t>
             </a:fld>
             <a:endParaRPr/>
           </a:p>
@@ -28557,7 +28833,7 @@
 </p:sld>
 </file>
 
-<file path=ppt/slides/slide38.xml><?xml version="1.0" encoding="utf-8"?>
+<file path=ppt/slides/slide39.xml><?xml version="1.0" encoding="utf-8"?>
 <p:sld xmlns:a="http://schemas.openxmlformats.org/drawingml/2006/main" xmlns:r="http://schemas.openxmlformats.org/officeDocument/2006/relationships" xmlns:p="http://schemas.openxmlformats.org/presentationml/2006/main">
   <p:cSld>
     <p:spTree>
@@ -29159,7 +29435,7 @@
             </a:pPr>
             <a:fld id="{00000000-1234-1234-1234-123412341234}" type="slidenum">
               <a:rPr lang="en"/>
-              <a:t>38</a:t>
+              <a:t>39</a:t>
             </a:fld>
             <a:endParaRPr/>
           </a:p>
@@ -29374,7 +29650,131 @@
 </p:sld>
 </file>
 
-<file path=ppt/slides/slide39.xml><?xml version="1.0" encoding="utf-8"?>
+<file path=ppt/slides/slide4.xml><?xml version="1.0" encoding="utf-8"?>
+<p:sld xmlns:a="http://schemas.openxmlformats.org/drawingml/2006/main" xmlns:r="http://schemas.openxmlformats.org/officeDocument/2006/relationships" xmlns:p="http://schemas.openxmlformats.org/presentationml/2006/main">
+  <p:cSld>
+    <p:spTree>
+      <p:nvGrpSpPr>
+        <p:cNvPr id="1" name="">
+          <a:extLst>
+            <a:ext uri="{FF2B5EF4-FFF2-40B4-BE49-F238E27FC236}">
+              <a16:creationId xmlns:a16="http://schemas.microsoft.com/office/drawing/2014/main" id="{2D122D1C-C6B2-8E9B-7832-71AE3E476B32}"/>
+            </a:ext>
+          </a:extLst>
+        </p:cNvPr>
+        <p:cNvGrpSpPr/>
+        <p:nvPr/>
+      </p:nvGrpSpPr>
+      <p:grpSpPr>
+        <a:xfrm>
+          <a:off x="0" y="0"/>
+          <a:ext cx="0" cy="0"/>
+          <a:chOff x="0" y="0"/>
+          <a:chExt cx="0" cy="0"/>
+        </a:xfrm>
+      </p:grpSpPr>
+      <p:sp>
+        <p:nvSpPr>
+          <p:cNvPr id="2" name="标题 1">
+            <a:extLst>
+              <a:ext uri="{FF2B5EF4-FFF2-40B4-BE49-F238E27FC236}">
+                <a16:creationId xmlns:a16="http://schemas.microsoft.com/office/drawing/2014/main" id="{C2578B1E-2996-F1A3-C8F4-90D988D2C721}"/>
+              </a:ext>
+            </a:extLst>
+          </p:cNvPr>
+          <p:cNvSpPr>
+            <a:spLocks noGrp="1"/>
+          </p:cNvSpPr>
+          <p:nvPr>
+            <p:ph type="title"/>
+          </p:nvPr>
+        </p:nvSpPr>
+        <p:spPr/>
+        <p:txBody>
+          <a:bodyPr/>
+          <a:lstStyle/>
+          <a:p>
+            <a:endParaRPr kumimoji="1" lang="zh-CN" altLang="en-US"/>
+          </a:p>
+        </p:txBody>
+      </p:sp>
+      <p:sp>
+        <p:nvSpPr>
+          <p:cNvPr id="3" name="文本占位符 2">
+            <a:extLst>
+              <a:ext uri="{FF2B5EF4-FFF2-40B4-BE49-F238E27FC236}">
+                <a16:creationId xmlns:a16="http://schemas.microsoft.com/office/drawing/2014/main" id="{8025FC54-E5C4-AC52-5FF6-899E8BE7D13E}"/>
+              </a:ext>
+            </a:extLst>
+          </p:cNvPr>
+          <p:cNvSpPr>
+            <a:spLocks noGrp="1"/>
+          </p:cNvSpPr>
+          <p:nvPr>
+            <p:ph type="body" idx="1"/>
+          </p:nvPr>
+        </p:nvSpPr>
+        <p:spPr/>
+        <p:txBody>
+          <a:bodyPr/>
+          <a:lstStyle/>
+          <a:p>
+            <a:endParaRPr kumimoji="1" lang="zh-CN" altLang="en-US"/>
+          </a:p>
+        </p:txBody>
+      </p:sp>
+      <p:sp>
+        <p:nvSpPr>
+          <p:cNvPr id="4" name="灯片编号占位符 3">
+            <a:extLst>
+              <a:ext uri="{FF2B5EF4-FFF2-40B4-BE49-F238E27FC236}">
+                <a16:creationId xmlns:a16="http://schemas.microsoft.com/office/drawing/2014/main" id="{61FA8F63-19A7-3C72-BAF1-673355BA6C3D}"/>
+              </a:ext>
+            </a:extLst>
+          </p:cNvPr>
+          <p:cNvSpPr>
+            <a:spLocks noGrp="1"/>
+          </p:cNvSpPr>
+          <p:nvPr>
+            <p:ph type="sldNum" idx="12"/>
+          </p:nvPr>
+        </p:nvSpPr>
+        <p:spPr/>
+        <p:txBody>
+          <a:bodyPr/>
+          <a:lstStyle/>
+          <a:p>
+            <a:pPr marL="0" lvl="0" indent="0" algn="r" rtl="0">
+              <a:spcBef>
+                <a:spcPts val="0"/>
+              </a:spcBef>
+              <a:spcAft>
+                <a:spcPts val="0"/>
+              </a:spcAft>
+              <a:buNone/>
+            </a:pPr>
+            <a:fld id="{00000000-1234-1234-1234-123412341234}" type="slidenum">
+              <a:rPr lang="en" smtClean="0"/>
+              <a:t>4</a:t>
+            </a:fld>
+            <a:endParaRPr lang="en"/>
+          </a:p>
+        </p:txBody>
+      </p:sp>
+    </p:spTree>
+    <p:extLst>
+      <p:ext uri="{BB962C8B-B14F-4D97-AF65-F5344CB8AC3E}">
+        <p14:creationId xmlns:p14="http://schemas.microsoft.com/office/powerpoint/2010/main" val="2328461626"/>
+      </p:ext>
+    </p:extLst>
+  </p:cSld>
+  <p:clrMapOvr>
+    <a:masterClrMapping/>
+  </p:clrMapOvr>
+</p:sld>
+</file>
+
+<file path=ppt/slides/slide40.xml><?xml version="1.0" encoding="utf-8"?>
 <p:sld xmlns:a="http://schemas.openxmlformats.org/drawingml/2006/main" xmlns:r="http://schemas.openxmlformats.org/officeDocument/2006/relationships" xmlns:p="http://schemas.openxmlformats.org/presentationml/2006/main">
   <p:cSld>
     <p:spTree>
@@ -30107,7 +30507,7 @@
             </a:pPr>
             <a:fld id="{00000000-1234-1234-1234-123412341234}" type="slidenum">
               <a:rPr lang="en"/>
-              <a:t>39</a:t>
+              <a:t>40</a:t>
             </a:fld>
             <a:endParaRPr/>
           </a:p>
@@ -30366,186 +30766,7 @@
 </p:sld>
 </file>
 
-<file path=ppt/slides/slide4.xml><?xml version="1.0" encoding="utf-8"?>
-<p:sld xmlns:a="http://schemas.openxmlformats.org/drawingml/2006/main" xmlns:r="http://schemas.openxmlformats.org/officeDocument/2006/relationships" xmlns:p="http://schemas.openxmlformats.org/presentationml/2006/main">
-  <p:cSld>
-    <p:spTree>
-      <p:nvGrpSpPr>
-        <p:cNvPr id="1" name="Shape 61">
-          <a:extLst>
-            <a:ext uri="{FF2B5EF4-FFF2-40B4-BE49-F238E27FC236}">
-              <a16:creationId xmlns:a16="http://schemas.microsoft.com/office/drawing/2014/main" id="{1FBDD0B3-5F0B-D7CA-0784-5EDC91BFC81C}"/>
-            </a:ext>
-          </a:extLst>
-        </p:cNvPr>
-        <p:cNvGrpSpPr/>
-        <p:nvPr/>
-      </p:nvGrpSpPr>
-      <p:grpSpPr>
-        <a:xfrm>
-          <a:off x="0" y="0"/>
-          <a:ext cx="0" cy="0"/>
-          <a:chOff x="0" y="0"/>
-          <a:chExt cx="0" cy="0"/>
-        </a:xfrm>
-      </p:grpSpPr>
-      <p:sp>
-        <p:nvSpPr>
-          <p:cNvPr id="62" name="Google Shape;62;p14">
-            <a:extLst>
-              <a:ext uri="{FF2B5EF4-FFF2-40B4-BE49-F238E27FC236}">
-                <a16:creationId xmlns:a16="http://schemas.microsoft.com/office/drawing/2014/main" id="{2BF020BC-8843-3C72-92D8-2CCFB0E2B7C5}"/>
-              </a:ext>
-            </a:extLst>
-          </p:cNvPr>
-          <p:cNvSpPr txBox="1">
-            <a:spLocks noGrp="1"/>
-          </p:cNvSpPr>
-          <p:nvPr>
-            <p:ph type="title"/>
-          </p:nvPr>
-        </p:nvSpPr>
-        <p:spPr>
-          <a:xfrm>
-            <a:off x="311700" y="445025"/>
-            <a:ext cx="8520600" cy="572700"/>
-          </a:xfrm>
-          <a:prstGeom prst="rect">
-            <a:avLst/>
-          </a:prstGeom>
-        </p:spPr>
-        <p:txBody>
-          <a:bodyPr spcFirstLastPara="1" wrap="square" lIns="91425" tIns="91425" rIns="91425" bIns="91425" anchor="t" anchorCtr="0">
-            <a:noAutofit/>
-          </a:bodyPr>
-          <a:lstStyle/>
-          <a:p>
-            <a:pPr marL="0" lvl="0" indent="0" algn="l" rtl="0">
-              <a:spcBef>
-                <a:spcPts val="0"/>
-              </a:spcBef>
-              <a:spcAft>
-                <a:spcPts val="0"/>
-              </a:spcAft>
-              <a:buNone/>
-            </a:pPr>
-            <a:r>
-              <a:rPr lang="en" dirty="0"/>
-              <a:t>Résumé</a:t>
-            </a:r>
-            <a:endParaRPr dirty="0"/>
-          </a:p>
-        </p:txBody>
-      </p:sp>
-      <p:sp>
-        <p:nvSpPr>
-          <p:cNvPr id="63" name="Google Shape;63;p14">
-            <a:extLst>
-              <a:ext uri="{FF2B5EF4-FFF2-40B4-BE49-F238E27FC236}">
-                <a16:creationId xmlns:a16="http://schemas.microsoft.com/office/drawing/2014/main" id="{19013C54-0749-437E-8251-C3E948AA70CF}"/>
-              </a:ext>
-            </a:extLst>
-          </p:cNvPr>
-          <p:cNvSpPr txBox="1">
-            <a:spLocks noGrp="1"/>
-          </p:cNvSpPr>
-          <p:nvPr>
-            <p:ph type="sldNum" idx="12"/>
-          </p:nvPr>
-        </p:nvSpPr>
-        <p:spPr>
-          <a:xfrm>
-            <a:off x="8472458" y="4663217"/>
-            <a:ext cx="548700" cy="393600"/>
-          </a:xfrm>
-          <a:prstGeom prst="rect">
-            <a:avLst/>
-          </a:prstGeom>
-        </p:spPr>
-        <p:txBody>
-          <a:bodyPr spcFirstLastPara="1" wrap="square" lIns="91425" tIns="91425" rIns="91425" bIns="91425" anchor="ctr" anchorCtr="0">
-            <a:noAutofit/>
-          </a:bodyPr>
-          <a:lstStyle/>
-          <a:p>
-            <a:pPr marL="0" lvl="0" indent="0" algn="r" rtl="0">
-              <a:spcBef>
-                <a:spcPts val="0"/>
-              </a:spcBef>
-              <a:spcAft>
-                <a:spcPts val="0"/>
-              </a:spcAft>
-              <a:buClr>
-                <a:srgbClr val="000000"/>
-              </a:buClr>
-              <a:buSzPts val="1100"/>
-              <a:buFont typeface="Arial"/>
-              <a:buNone/>
-            </a:pPr>
-            <a:fld id="{00000000-1234-1234-1234-123412341234}" type="slidenum">
-              <a:rPr lang="en"/>
-              <a:t>4</a:t>
-            </a:fld>
-            <a:endParaRPr/>
-          </a:p>
-        </p:txBody>
-      </p:sp>
-      <p:sp>
-        <p:nvSpPr>
-          <p:cNvPr id="64" name="Google Shape;64;p14">
-            <a:extLst>
-              <a:ext uri="{FF2B5EF4-FFF2-40B4-BE49-F238E27FC236}">
-                <a16:creationId xmlns:a16="http://schemas.microsoft.com/office/drawing/2014/main" id="{CBB2E5BD-DF9F-1EFF-A547-743FE62DFF19}"/>
-              </a:ext>
-            </a:extLst>
-          </p:cNvPr>
-          <p:cNvSpPr txBox="1">
-            <a:spLocks noGrp="1"/>
-          </p:cNvSpPr>
-          <p:nvPr>
-            <p:ph type="body" idx="1"/>
-          </p:nvPr>
-        </p:nvSpPr>
-        <p:spPr>
-          <a:xfrm>
-            <a:off x="311700" y="1152475"/>
-            <a:ext cx="8520600" cy="3416400"/>
-          </a:xfrm>
-          <a:prstGeom prst="rect">
-            <a:avLst/>
-          </a:prstGeom>
-        </p:spPr>
-        <p:txBody>
-          <a:bodyPr spcFirstLastPara="1" wrap="square" lIns="91425" tIns="91425" rIns="91425" bIns="91425" anchor="t" anchorCtr="0">
-            <a:noAutofit/>
-          </a:bodyPr>
-          <a:lstStyle/>
-          <a:p>
-            <a:pPr marL="0" indent="0">
-              <a:buNone/>
-            </a:pPr>
-            <a:r>
-              <a:rPr lang="en-US" altLang="zh-CN" dirty="0"/>
-              <a:t>...</a:t>
-            </a:r>
-            <a:endParaRPr lang="en" dirty="0"/>
-          </a:p>
-        </p:txBody>
-      </p:sp>
-    </p:spTree>
-    <p:extLst>
-      <p:ext uri="{BB962C8B-B14F-4D97-AF65-F5344CB8AC3E}">
-        <p14:creationId xmlns:p14="http://schemas.microsoft.com/office/powerpoint/2010/main" val="3171717650"/>
-      </p:ext>
-    </p:extLst>
-  </p:cSld>
-  <p:clrMapOvr>
-    <a:masterClrMapping/>
-  </p:clrMapOvr>
-</p:sld>
-</file>
-
-<file path=ppt/slides/slide40.xml><?xml version="1.0" encoding="utf-8"?>
+<file path=ppt/slides/slide41.xml><?xml version="1.0" encoding="utf-8"?>
 <p:sld xmlns:a="http://schemas.openxmlformats.org/drawingml/2006/main" xmlns:r="http://schemas.openxmlformats.org/officeDocument/2006/relationships" xmlns:p="http://schemas.openxmlformats.org/presentationml/2006/main">
   <p:cSld>
     <p:spTree>
@@ -31361,7 +31582,7 @@
             </a:pPr>
             <a:fld id="{00000000-1234-1234-1234-123412341234}" type="slidenum">
               <a:rPr lang="en"/>
-              <a:t>40</a:t>
+              <a:t>41</a:t>
             </a:fld>
             <a:endParaRPr/>
           </a:p>
@@ -31664,7 +31885,7 @@
 </p:sld>
 </file>
 
-<file path=ppt/slides/slide41.xml><?xml version="1.0" encoding="utf-8"?>
+<file path=ppt/slides/slide42.xml><?xml version="1.0" encoding="utf-8"?>
 <p:sld xmlns:a="http://schemas.openxmlformats.org/drawingml/2006/main" xmlns:r="http://schemas.openxmlformats.org/officeDocument/2006/relationships" xmlns:p="http://schemas.openxmlformats.org/presentationml/2006/main">
   <p:cSld>
     <p:spTree>
@@ -32551,7 +32772,7 @@
             </a:pPr>
             <a:fld id="{00000000-1234-1234-1234-123412341234}" type="slidenum">
               <a:rPr lang="en"/>
-              <a:t>41</a:t>
+              <a:t>42</a:t>
             </a:fld>
             <a:endParaRPr/>
           </a:p>
@@ -32823,7 +33044,7 @@
 </p:sld>
 </file>
 
-<file path=ppt/slides/slide42.xml><?xml version="1.0" encoding="utf-8"?>
+<file path=ppt/slides/slide43.xml><?xml version="1.0" encoding="utf-8"?>
 <p:sld xmlns:a="http://schemas.openxmlformats.org/drawingml/2006/main" xmlns:r="http://schemas.openxmlformats.org/officeDocument/2006/relationships" xmlns:p="http://schemas.openxmlformats.org/presentationml/2006/main">
   <p:cSld>
     <p:spTree>
@@ -33095,7 +33316,7 @@
             </a:pPr>
             <a:fld id="{00000000-1234-1234-1234-123412341234}" type="slidenum">
               <a:rPr lang="en"/>
-              <a:t>42</a:t>
+              <a:t>43</a:t>
             </a:fld>
             <a:endParaRPr/>
           </a:p>
@@ -33109,7 +33330,7 @@
 </p:sld>
 </file>
 
-<file path=ppt/slides/slide43.xml><?xml version="1.0" encoding="utf-8"?>
+<file path=ppt/slides/slide44.xml><?xml version="1.0" encoding="utf-8"?>
 <p:sld xmlns:a="http://schemas.openxmlformats.org/drawingml/2006/main" xmlns:r="http://schemas.openxmlformats.org/officeDocument/2006/relationships" xmlns:p="http://schemas.openxmlformats.org/presentationml/2006/main">
   <p:cSld>
     <p:spTree>
@@ -33557,7 +33778,7 @@
             </a:pPr>
             <a:fld id="{00000000-1234-1234-1234-123412341234}" type="slidenum">
               <a:rPr lang="en"/>
-              <a:t>43</a:t>
+              <a:t>44</a:t>
             </a:fld>
             <a:endParaRPr/>
           </a:p>
@@ -34194,7 +34415,7 @@
 </p:sld>
 </file>
 
-<file path=ppt/slides/slide44.xml><?xml version="1.0" encoding="utf-8"?>
+<file path=ppt/slides/slide45.xml><?xml version="1.0" encoding="utf-8"?>
 <p:sld xmlns:a="http://schemas.openxmlformats.org/drawingml/2006/main" xmlns:r="http://schemas.openxmlformats.org/officeDocument/2006/relationships" xmlns:p="http://schemas.openxmlformats.org/presentationml/2006/main">
   <p:cSld>
     <p:spTree>
@@ -34306,7 +34527,7 @@
             </a:pPr>
             <a:fld id="{00000000-1234-1234-1234-123412341234}" type="slidenum">
               <a:rPr lang="en"/>
-              <a:t>44</a:t>
+              <a:t>45</a:t>
             </a:fld>
             <a:endParaRPr/>
           </a:p>
@@ -35191,7 +35412,7 @@
 </p:sld>
 </file>
 
-<file path=ppt/slides/slide45.xml><?xml version="1.0" encoding="utf-8"?>
+<file path=ppt/slides/slide46.xml><?xml version="1.0" encoding="utf-8"?>
 <p:sld xmlns:a="http://schemas.openxmlformats.org/drawingml/2006/main" xmlns:r="http://schemas.openxmlformats.org/officeDocument/2006/relationships" xmlns:p="http://schemas.openxmlformats.org/presentationml/2006/main">
   <p:cSld>
     <p:spTree>
@@ -35436,7 +35657,7 @@
             </a:pPr>
             <a:fld id="{00000000-1234-1234-1234-123412341234}" type="slidenum">
               <a:rPr lang="en"/>
-              <a:t>45</a:t>
+              <a:t>46</a:t>
             </a:fld>
             <a:endParaRPr/>
           </a:p>
@@ -35450,7 +35671,7 @@
 </p:sld>
 </file>
 
-<file path=ppt/slides/slide46.xml><?xml version="1.0" encoding="utf-8"?>
+<file path=ppt/slides/slide47.xml><?xml version="1.0" encoding="utf-8"?>
 <p:sld xmlns:a="http://schemas.openxmlformats.org/drawingml/2006/main" xmlns:r="http://schemas.openxmlformats.org/officeDocument/2006/relationships" xmlns:p="http://schemas.openxmlformats.org/presentationml/2006/main">
   <p:cSld>
     <p:spTree>
@@ -35627,7 +35848,7 @@
             </a:pPr>
             <a:fld id="{00000000-1234-1234-1234-123412341234}" type="slidenum">
               <a:rPr lang="en"/>
-              <a:t>46</a:t>
+              <a:t>47</a:t>
             </a:fld>
             <a:endParaRPr/>
           </a:p>
@@ -35854,7 +36075,7 @@
 </p:sld>
 </file>
 
-<file path=ppt/slides/slide47.xml><?xml version="1.0" encoding="utf-8"?>
+<file path=ppt/slides/slide48.xml><?xml version="1.0" encoding="utf-8"?>
 <p:sld xmlns:a="http://schemas.openxmlformats.org/drawingml/2006/main" xmlns:r="http://schemas.openxmlformats.org/officeDocument/2006/relationships" xmlns:p="http://schemas.openxmlformats.org/presentationml/2006/main">
   <p:cSld>
     <p:spTree>
@@ -36129,7 +36350,7 @@
             </a:pPr>
             <a:fld id="{00000000-1234-1234-1234-123412341234}" type="slidenum">
               <a:rPr lang="en"/>
-              <a:t>47</a:t>
+              <a:t>48</a:t>
             </a:fld>
             <a:endParaRPr/>
           </a:p>
@@ -36143,7 +36364,7 @@
 </p:sld>
 </file>
 
-<file path=ppt/slides/slide48.xml><?xml version="1.0" encoding="utf-8"?>
+<file path=ppt/slides/slide49.xml><?xml version="1.0" encoding="utf-8"?>
 <p:sld xmlns:a="http://schemas.openxmlformats.org/drawingml/2006/main" xmlns:r="http://schemas.openxmlformats.org/officeDocument/2006/relationships" xmlns:p="http://schemas.openxmlformats.org/presentationml/2006/main">
   <p:cSld>
     <p:spTree>
@@ -36396,7 +36617,7 @@
             </a:pPr>
             <a:fld id="{00000000-1234-1234-1234-123412341234}" type="slidenum">
               <a:rPr lang="en"/>
-              <a:t>48</a:t>
+              <a:t>49</a:t>
             </a:fld>
             <a:endParaRPr/>
           </a:p>
@@ -36806,7 +37027,186 @@
 </p:sld>
 </file>
 
-<file path=ppt/slides/slide49.xml><?xml version="1.0" encoding="utf-8"?>
+<file path=ppt/slides/slide5.xml><?xml version="1.0" encoding="utf-8"?>
+<p:sld xmlns:a="http://schemas.openxmlformats.org/drawingml/2006/main" xmlns:r="http://schemas.openxmlformats.org/officeDocument/2006/relationships" xmlns:p="http://schemas.openxmlformats.org/presentationml/2006/main">
+  <p:cSld>
+    <p:spTree>
+      <p:nvGrpSpPr>
+        <p:cNvPr id="1" name="Shape 61">
+          <a:extLst>
+            <a:ext uri="{FF2B5EF4-FFF2-40B4-BE49-F238E27FC236}">
+              <a16:creationId xmlns:a16="http://schemas.microsoft.com/office/drawing/2014/main" id="{1FBDD0B3-5F0B-D7CA-0784-5EDC91BFC81C}"/>
+            </a:ext>
+          </a:extLst>
+        </p:cNvPr>
+        <p:cNvGrpSpPr/>
+        <p:nvPr/>
+      </p:nvGrpSpPr>
+      <p:grpSpPr>
+        <a:xfrm>
+          <a:off x="0" y="0"/>
+          <a:ext cx="0" cy="0"/>
+          <a:chOff x="0" y="0"/>
+          <a:chExt cx="0" cy="0"/>
+        </a:xfrm>
+      </p:grpSpPr>
+      <p:sp>
+        <p:nvSpPr>
+          <p:cNvPr id="62" name="Google Shape;62;p14">
+            <a:extLst>
+              <a:ext uri="{FF2B5EF4-FFF2-40B4-BE49-F238E27FC236}">
+                <a16:creationId xmlns:a16="http://schemas.microsoft.com/office/drawing/2014/main" id="{2BF020BC-8843-3C72-92D8-2CCFB0E2B7C5}"/>
+              </a:ext>
+            </a:extLst>
+          </p:cNvPr>
+          <p:cNvSpPr txBox="1">
+            <a:spLocks noGrp="1"/>
+          </p:cNvSpPr>
+          <p:nvPr>
+            <p:ph type="title"/>
+          </p:nvPr>
+        </p:nvSpPr>
+        <p:spPr>
+          <a:xfrm>
+            <a:off x="311700" y="445025"/>
+            <a:ext cx="8520600" cy="572700"/>
+          </a:xfrm>
+          <a:prstGeom prst="rect">
+            <a:avLst/>
+          </a:prstGeom>
+        </p:spPr>
+        <p:txBody>
+          <a:bodyPr spcFirstLastPara="1" wrap="square" lIns="91425" tIns="91425" rIns="91425" bIns="91425" anchor="t" anchorCtr="0">
+            <a:noAutofit/>
+          </a:bodyPr>
+          <a:lstStyle/>
+          <a:p>
+            <a:pPr marL="0" lvl="0" indent="0" algn="l" rtl="0">
+              <a:spcBef>
+                <a:spcPts val="0"/>
+              </a:spcBef>
+              <a:spcAft>
+                <a:spcPts val="0"/>
+              </a:spcAft>
+              <a:buNone/>
+            </a:pPr>
+            <a:r>
+              <a:rPr lang="en" dirty="0"/>
+              <a:t>Résumé</a:t>
+            </a:r>
+            <a:endParaRPr dirty="0"/>
+          </a:p>
+        </p:txBody>
+      </p:sp>
+      <p:sp>
+        <p:nvSpPr>
+          <p:cNvPr id="63" name="Google Shape;63;p14">
+            <a:extLst>
+              <a:ext uri="{FF2B5EF4-FFF2-40B4-BE49-F238E27FC236}">
+                <a16:creationId xmlns:a16="http://schemas.microsoft.com/office/drawing/2014/main" id="{19013C54-0749-437E-8251-C3E948AA70CF}"/>
+              </a:ext>
+            </a:extLst>
+          </p:cNvPr>
+          <p:cNvSpPr txBox="1">
+            <a:spLocks noGrp="1"/>
+          </p:cNvSpPr>
+          <p:nvPr>
+            <p:ph type="sldNum" idx="12"/>
+          </p:nvPr>
+        </p:nvSpPr>
+        <p:spPr>
+          <a:xfrm>
+            <a:off x="8472458" y="4663217"/>
+            <a:ext cx="548700" cy="393600"/>
+          </a:xfrm>
+          <a:prstGeom prst="rect">
+            <a:avLst/>
+          </a:prstGeom>
+        </p:spPr>
+        <p:txBody>
+          <a:bodyPr spcFirstLastPara="1" wrap="square" lIns="91425" tIns="91425" rIns="91425" bIns="91425" anchor="ctr" anchorCtr="0">
+            <a:noAutofit/>
+          </a:bodyPr>
+          <a:lstStyle/>
+          <a:p>
+            <a:pPr marL="0" lvl="0" indent="0" algn="r" rtl="0">
+              <a:spcBef>
+                <a:spcPts val="0"/>
+              </a:spcBef>
+              <a:spcAft>
+                <a:spcPts val="0"/>
+              </a:spcAft>
+              <a:buClr>
+                <a:srgbClr val="000000"/>
+              </a:buClr>
+              <a:buSzPts val="1100"/>
+              <a:buFont typeface="Arial"/>
+              <a:buNone/>
+            </a:pPr>
+            <a:fld id="{00000000-1234-1234-1234-123412341234}" type="slidenum">
+              <a:rPr lang="en"/>
+              <a:t>5</a:t>
+            </a:fld>
+            <a:endParaRPr/>
+          </a:p>
+        </p:txBody>
+      </p:sp>
+      <p:sp>
+        <p:nvSpPr>
+          <p:cNvPr id="64" name="Google Shape;64;p14">
+            <a:extLst>
+              <a:ext uri="{FF2B5EF4-FFF2-40B4-BE49-F238E27FC236}">
+                <a16:creationId xmlns:a16="http://schemas.microsoft.com/office/drawing/2014/main" id="{CBB2E5BD-DF9F-1EFF-A547-743FE62DFF19}"/>
+              </a:ext>
+            </a:extLst>
+          </p:cNvPr>
+          <p:cNvSpPr txBox="1">
+            <a:spLocks noGrp="1"/>
+          </p:cNvSpPr>
+          <p:nvPr>
+            <p:ph type="body" idx="1"/>
+          </p:nvPr>
+        </p:nvSpPr>
+        <p:spPr>
+          <a:xfrm>
+            <a:off x="311700" y="1152475"/>
+            <a:ext cx="8520600" cy="3416400"/>
+          </a:xfrm>
+          <a:prstGeom prst="rect">
+            <a:avLst/>
+          </a:prstGeom>
+        </p:spPr>
+        <p:txBody>
+          <a:bodyPr spcFirstLastPara="1" wrap="square" lIns="91425" tIns="91425" rIns="91425" bIns="91425" anchor="t" anchorCtr="0">
+            <a:noAutofit/>
+          </a:bodyPr>
+          <a:lstStyle/>
+          <a:p>
+            <a:pPr marL="0" indent="0">
+              <a:buNone/>
+            </a:pPr>
+            <a:r>
+              <a:rPr lang="en-US" altLang="zh-CN" dirty="0"/>
+              <a:t>...</a:t>
+            </a:r>
+            <a:endParaRPr lang="en" dirty="0"/>
+          </a:p>
+        </p:txBody>
+      </p:sp>
+    </p:spTree>
+    <p:extLst>
+      <p:ext uri="{BB962C8B-B14F-4D97-AF65-F5344CB8AC3E}">
+        <p14:creationId xmlns:p14="http://schemas.microsoft.com/office/powerpoint/2010/main" val="3171717650"/>
+      </p:ext>
+    </p:extLst>
+  </p:cSld>
+  <p:clrMapOvr>
+    <a:masterClrMapping/>
+  </p:clrMapOvr>
+</p:sld>
+</file>
+
+<file path=ppt/slides/slide50.xml><?xml version="1.0" encoding="utf-8"?>
 <p:sld xmlns:a="http://schemas.openxmlformats.org/drawingml/2006/main" xmlns:r="http://schemas.openxmlformats.org/officeDocument/2006/relationships" xmlns:p="http://schemas.openxmlformats.org/presentationml/2006/main">
   <p:cSld>
     <p:spTree>
@@ -36906,7 +37306,7 @@
             </a:pPr>
             <a:fld id="{00000000-1234-1234-1234-123412341234}" type="slidenum">
               <a:rPr lang="en"/>
-              <a:t>49</a:t>
+              <a:t>50</a:t>
             </a:fld>
             <a:endParaRPr/>
           </a:p>
@@ -37392,125 +37792,7 @@
 </p:sld>
 </file>
 
-<file path=ppt/slides/slide5.xml><?xml version="1.0" encoding="utf-8"?>
-<p:sld xmlns:a="http://schemas.openxmlformats.org/drawingml/2006/main" xmlns:r="http://schemas.openxmlformats.org/officeDocument/2006/relationships" xmlns:p="http://schemas.openxmlformats.org/presentationml/2006/main">
-  <p:cSld>
-    <p:spTree>
-      <p:nvGrpSpPr>
-        <p:cNvPr id="1" name=""/>
-        <p:cNvGrpSpPr/>
-        <p:nvPr/>
-      </p:nvGrpSpPr>
-      <p:grpSpPr>
-        <a:xfrm>
-          <a:off x="0" y="0"/>
-          <a:ext cx="0" cy="0"/>
-          <a:chOff x="0" y="0"/>
-          <a:chExt cx="0" cy="0"/>
-        </a:xfrm>
-      </p:grpSpPr>
-      <p:sp>
-        <p:nvSpPr>
-          <p:cNvPr id="2" name="标题 1">
-            <a:extLst>
-              <a:ext uri="{FF2B5EF4-FFF2-40B4-BE49-F238E27FC236}">
-                <a16:creationId xmlns:a16="http://schemas.microsoft.com/office/drawing/2014/main" id="{30C5DEBB-F2D3-2AD5-7CAD-2004C1B1C993}"/>
-              </a:ext>
-            </a:extLst>
-          </p:cNvPr>
-          <p:cNvSpPr>
-            <a:spLocks noGrp="1"/>
-          </p:cNvSpPr>
-          <p:nvPr>
-            <p:ph type="title"/>
-          </p:nvPr>
-        </p:nvSpPr>
-        <p:spPr/>
-        <p:txBody>
-          <a:bodyPr/>
-          <a:lstStyle/>
-          <a:p>
-            <a:endParaRPr kumimoji="1" lang="zh-CN" altLang="en-US"/>
-          </a:p>
-        </p:txBody>
-      </p:sp>
-      <p:sp>
-        <p:nvSpPr>
-          <p:cNvPr id="3" name="文本占位符 2">
-            <a:extLst>
-              <a:ext uri="{FF2B5EF4-FFF2-40B4-BE49-F238E27FC236}">
-                <a16:creationId xmlns:a16="http://schemas.microsoft.com/office/drawing/2014/main" id="{3985745E-3AD4-FAFD-DF4B-B5F0650F0775}"/>
-              </a:ext>
-            </a:extLst>
-          </p:cNvPr>
-          <p:cNvSpPr>
-            <a:spLocks noGrp="1"/>
-          </p:cNvSpPr>
-          <p:nvPr>
-            <p:ph type="body" idx="1"/>
-          </p:nvPr>
-        </p:nvSpPr>
-        <p:spPr/>
-        <p:txBody>
-          <a:bodyPr/>
-          <a:lstStyle/>
-          <a:p>
-            <a:endParaRPr kumimoji="1" lang="zh-CN" altLang="en-US"/>
-          </a:p>
-        </p:txBody>
-      </p:sp>
-      <p:sp>
-        <p:nvSpPr>
-          <p:cNvPr id="4" name="灯片编号占位符 3">
-            <a:extLst>
-              <a:ext uri="{FF2B5EF4-FFF2-40B4-BE49-F238E27FC236}">
-                <a16:creationId xmlns:a16="http://schemas.microsoft.com/office/drawing/2014/main" id="{264A3F8C-CC8E-BEF2-2A24-7ACF80F348F4}"/>
-              </a:ext>
-            </a:extLst>
-          </p:cNvPr>
-          <p:cNvSpPr>
-            <a:spLocks noGrp="1"/>
-          </p:cNvSpPr>
-          <p:nvPr>
-            <p:ph type="sldNum" idx="12"/>
-          </p:nvPr>
-        </p:nvSpPr>
-        <p:spPr/>
-        <p:txBody>
-          <a:bodyPr/>
-          <a:lstStyle/>
-          <a:p>
-            <a:pPr marL="0" lvl="0" indent="0" algn="r" rtl="0">
-              <a:spcBef>
-                <a:spcPts val="0"/>
-              </a:spcBef>
-              <a:spcAft>
-                <a:spcPts val="0"/>
-              </a:spcAft>
-              <a:buNone/>
-            </a:pPr>
-            <a:fld id="{00000000-1234-1234-1234-123412341234}" type="slidenum">
-              <a:rPr lang="en" smtClean="0"/>
-              <a:t>5</a:t>
-            </a:fld>
-            <a:endParaRPr lang="en"/>
-          </a:p>
-        </p:txBody>
-      </p:sp>
-    </p:spTree>
-    <p:extLst>
-      <p:ext uri="{BB962C8B-B14F-4D97-AF65-F5344CB8AC3E}">
-        <p14:creationId xmlns:p14="http://schemas.microsoft.com/office/powerpoint/2010/main" val="3517670222"/>
-      </p:ext>
-    </p:extLst>
-  </p:cSld>
-  <p:clrMapOvr>
-    <a:masterClrMapping/>
-  </p:clrMapOvr>
-</p:sld>
-</file>
-
-<file path=ppt/slides/slide50.xml><?xml version="1.0" encoding="utf-8"?>
+<file path=ppt/slides/slide51.xml><?xml version="1.0" encoding="utf-8"?>
 <p:sld xmlns:a="http://schemas.openxmlformats.org/drawingml/2006/main" xmlns:r="http://schemas.openxmlformats.org/officeDocument/2006/relationships" xmlns:p="http://schemas.openxmlformats.org/presentationml/2006/main">
   <p:cSld>
     <p:spTree>
@@ -37568,7 +37850,7 @@
             </a:pPr>
             <a:fld id="{00000000-1234-1234-1234-123412341234}" type="slidenum">
               <a:rPr lang="en"/>
-              <a:t>50</a:t>
+              <a:t>51</a:t>
             </a:fld>
             <a:endParaRPr/>
           </a:p>
@@ -37640,7 +37922,7 @@
 </p:sld>
 </file>
 
-<file path=ppt/slides/slide51.xml><?xml version="1.0" encoding="utf-8"?>
+<file path=ppt/slides/slide52.xml><?xml version="1.0" encoding="utf-8"?>
 <p:sld xmlns:a="http://schemas.openxmlformats.org/drawingml/2006/main" xmlns:r="http://schemas.openxmlformats.org/officeDocument/2006/relationships" xmlns:p="http://schemas.openxmlformats.org/presentationml/2006/main">
   <p:cSld>
     <p:spTree>
@@ -37811,7 +38093,7 @@
             </a:pPr>
             <a:fld id="{00000000-1234-1234-1234-123412341234}" type="slidenum">
               <a:rPr lang="en"/>
-              <a:t>51</a:t>
+              <a:t>52</a:t>
             </a:fld>
             <a:endParaRPr/>
           </a:p>
@@ -38038,7 +38320,7 @@
 </p:sld>
 </file>
 
-<file path=ppt/slides/slide52.xml><?xml version="1.0" encoding="utf-8"?>
+<file path=ppt/slides/slide53.xml><?xml version="1.0" encoding="utf-8"?>
 <p:sld xmlns:a="http://schemas.openxmlformats.org/drawingml/2006/main" xmlns:r="http://schemas.openxmlformats.org/officeDocument/2006/relationships" xmlns:p="http://schemas.openxmlformats.org/presentationml/2006/main">
   <p:cSld>
     <p:spTree>
@@ -38096,7 +38378,7 @@
             </a:pPr>
             <a:fld id="{00000000-1234-1234-1234-123412341234}" type="slidenum">
               <a:rPr lang="en"/>
-              <a:t>52</a:t>
+              <a:t>53</a:t>
             </a:fld>
             <a:endParaRPr/>
           </a:p>
@@ -38168,7 +38450,7 @@
 </p:sld>
 </file>
 
-<file path=ppt/slides/slide53.xml><?xml version="1.0" encoding="utf-8"?>
+<file path=ppt/slides/slide54.xml><?xml version="1.0" encoding="utf-8"?>
 <p:sld xmlns:a="http://schemas.openxmlformats.org/drawingml/2006/main" xmlns:r="http://schemas.openxmlformats.org/officeDocument/2006/relationships" xmlns:p="http://schemas.openxmlformats.org/presentationml/2006/main">
   <p:cSld>
     <p:spTree>
@@ -38372,7 +38654,7 @@
             </a:pPr>
             <a:fld id="{00000000-1234-1234-1234-123412341234}" type="slidenum">
               <a:rPr lang="en"/>
-              <a:t>53</a:t>
+              <a:t>54</a:t>
             </a:fld>
             <a:endParaRPr/>
           </a:p>
@@ -38721,7 +39003,7 @@
 </p:sld>
 </file>
 
-<file path=ppt/slides/slide54.xml><?xml version="1.0" encoding="utf-8"?>
+<file path=ppt/slides/slide55.xml><?xml version="1.0" encoding="utf-8"?>
 <p:sld xmlns:a="http://schemas.openxmlformats.org/drawingml/2006/main" xmlns:r="http://schemas.openxmlformats.org/officeDocument/2006/relationships" xmlns:p="http://schemas.openxmlformats.org/presentationml/2006/main">
   <p:cSld>
     <p:spTree>
@@ -38999,7 +39281,7 @@
             </a:pPr>
             <a:fld id="{00000000-1234-1234-1234-123412341234}" type="slidenum">
               <a:rPr lang="en"/>
-              <a:t>54</a:t>
+              <a:t>55</a:t>
             </a:fld>
             <a:endParaRPr/>
           </a:p>
@@ -39013,7 +39295,7 @@
 </p:sld>
 </file>
 
-<file path=ppt/slides/slide55.xml><?xml version="1.0" encoding="utf-8"?>
+<file path=ppt/slides/slide56.xml><?xml version="1.0" encoding="utf-8"?>
 <p:sld xmlns:a="http://schemas.openxmlformats.org/drawingml/2006/main" xmlns:r="http://schemas.openxmlformats.org/officeDocument/2006/relationships" xmlns:p="http://schemas.openxmlformats.org/presentationml/2006/main">
   <p:cSld>
     <p:spTree>
@@ -39460,7 +39742,7 @@
             </a:pPr>
             <a:fld id="{00000000-1234-1234-1234-123412341234}" type="slidenum">
               <a:rPr lang="en"/>
-              <a:t>55</a:t>
+              <a:t>56</a:t>
             </a:fld>
             <a:endParaRPr/>
           </a:p>
@@ -39474,7 +39756,7 @@
 </p:sld>
 </file>
 
-<file path=ppt/slides/slide56.xml><?xml version="1.0" encoding="utf-8"?>
+<file path=ppt/slides/slide57.xml><?xml version="1.0" encoding="utf-8"?>
 <p:sld xmlns:a="http://schemas.openxmlformats.org/drawingml/2006/main" xmlns:r="http://schemas.openxmlformats.org/officeDocument/2006/relationships" xmlns:p="http://schemas.openxmlformats.org/presentationml/2006/main">
   <p:cSld>
     <p:spTree>
@@ -39532,7 +39814,7 @@
             </a:pPr>
             <a:fld id="{00000000-1234-1234-1234-123412341234}" type="slidenum">
               <a:rPr lang="en"/>
-              <a:t>56</a:t>
+              <a:t>57</a:t>
             </a:fld>
             <a:endParaRPr/>
           </a:p>
@@ -39628,6 +39910,124 @@
 </file>
 
 <file path=ppt/slides/slide6.xml><?xml version="1.0" encoding="utf-8"?>
+<p:sld xmlns:a="http://schemas.openxmlformats.org/drawingml/2006/main" xmlns:r="http://schemas.openxmlformats.org/officeDocument/2006/relationships" xmlns:p="http://schemas.openxmlformats.org/presentationml/2006/main">
+  <p:cSld>
+    <p:spTree>
+      <p:nvGrpSpPr>
+        <p:cNvPr id="1" name=""/>
+        <p:cNvGrpSpPr/>
+        <p:nvPr/>
+      </p:nvGrpSpPr>
+      <p:grpSpPr>
+        <a:xfrm>
+          <a:off x="0" y="0"/>
+          <a:ext cx="0" cy="0"/>
+          <a:chOff x="0" y="0"/>
+          <a:chExt cx="0" cy="0"/>
+        </a:xfrm>
+      </p:grpSpPr>
+      <p:sp>
+        <p:nvSpPr>
+          <p:cNvPr id="2" name="标题 1">
+            <a:extLst>
+              <a:ext uri="{FF2B5EF4-FFF2-40B4-BE49-F238E27FC236}">
+                <a16:creationId xmlns:a16="http://schemas.microsoft.com/office/drawing/2014/main" id="{30C5DEBB-F2D3-2AD5-7CAD-2004C1B1C993}"/>
+              </a:ext>
+            </a:extLst>
+          </p:cNvPr>
+          <p:cNvSpPr>
+            <a:spLocks noGrp="1"/>
+          </p:cNvSpPr>
+          <p:nvPr>
+            <p:ph type="title"/>
+          </p:nvPr>
+        </p:nvSpPr>
+        <p:spPr/>
+        <p:txBody>
+          <a:bodyPr/>
+          <a:lstStyle/>
+          <a:p>
+            <a:endParaRPr kumimoji="1" lang="zh-CN" altLang="en-US"/>
+          </a:p>
+        </p:txBody>
+      </p:sp>
+      <p:sp>
+        <p:nvSpPr>
+          <p:cNvPr id="3" name="文本占位符 2">
+            <a:extLst>
+              <a:ext uri="{FF2B5EF4-FFF2-40B4-BE49-F238E27FC236}">
+                <a16:creationId xmlns:a16="http://schemas.microsoft.com/office/drawing/2014/main" id="{3985745E-3AD4-FAFD-DF4B-B5F0650F0775}"/>
+              </a:ext>
+            </a:extLst>
+          </p:cNvPr>
+          <p:cNvSpPr>
+            <a:spLocks noGrp="1"/>
+          </p:cNvSpPr>
+          <p:nvPr>
+            <p:ph type="body" idx="1"/>
+          </p:nvPr>
+        </p:nvSpPr>
+        <p:spPr/>
+        <p:txBody>
+          <a:bodyPr/>
+          <a:lstStyle/>
+          <a:p>
+            <a:endParaRPr kumimoji="1" lang="zh-CN" altLang="en-US"/>
+          </a:p>
+        </p:txBody>
+      </p:sp>
+      <p:sp>
+        <p:nvSpPr>
+          <p:cNvPr id="4" name="灯片编号占位符 3">
+            <a:extLst>
+              <a:ext uri="{FF2B5EF4-FFF2-40B4-BE49-F238E27FC236}">
+                <a16:creationId xmlns:a16="http://schemas.microsoft.com/office/drawing/2014/main" id="{264A3F8C-CC8E-BEF2-2A24-7ACF80F348F4}"/>
+              </a:ext>
+            </a:extLst>
+          </p:cNvPr>
+          <p:cNvSpPr>
+            <a:spLocks noGrp="1"/>
+          </p:cNvSpPr>
+          <p:nvPr>
+            <p:ph type="sldNum" idx="12"/>
+          </p:nvPr>
+        </p:nvSpPr>
+        <p:spPr/>
+        <p:txBody>
+          <a:bodyPr/>
+          <a:lstStyle/>
+          <a:p>
+            <a:pPr marL="0" lvl="0" indent="0" algn="r" rtl="0">
+              <a:spcBef>
+                <a:spcPts val="0"/>
+              </a:spcBef>
+              <a:spcAft>
+                <a:spcPts val="0"/>
+              </a:spcAft>
+              <a:buNone/>
+            </a:pPr>
+            <a:fld id="{00000000-1234-1234-1234-123412341234}" type="slidenum">
+              <a:rPr lang="en" smtClean="0"/>
+              <a:t>6</a:t>
+            </a:fld>
+            <a:endParaRPr lang="en"/>
+          </a:p>
+        </p:txBody>
+      </p:sp>
+    </p:spTree>
+    <p:extLst>
+      <p:ext uri="{BB962C8B-B14F-4D97-AF65-F5344CB8AC3E}">
+        <p14:creationId xmlns:p14="http://schemas.microsoft.com/office/powerpoint/2010/main" val="3517670222"/>
+      </p:ext>
+    </p:extLst>
+  </p:cSld>
+  <p:clrMapOvr>
+    <a:masterClrMapping/>
+  </p:clrMapOvr>
+</p:sld>
+</file>
+
+<file path=ppt/slides/slide7.xml><?xml version="1.0" encoding="utf-8"?>
 <p:sld xmlns:a="http://schemas.openxmlformats.org/drawingml/2006/main" xmlns:r="http://schemas.openxmlformats.org/officeDocument/2006/relationships" xmlns:p="http://schemas.openxmlformats.org/presentationml/2006/main">
   <p:cSld>
     <p:spTree>
@@ -39726,7 +40126,7 @@
             </a:pPr>
             <a:fld id="{00000000-1234-1234-1234-123412341234}" type="slidenum">
               <a:rPr lang="en" smtClean="0"/>
-              <a:t>6</a:t>
+              <a:t>7</a:t>
             </a:fld>
             <a:endParaRPr lang="en"/>
           </a:p>
@@ -39745,7 +40145,7 @@
 </p:sld>
 </file>
 
-<file path=ppt/slides/slide7.xml><?xml version="1.0" encoding="utf-8"?>
+<file path=ppt/slides/slide8.xml><?xml version="1.0" encoding="utf-8"?>
 <p:sld xmlns:a="http://schemas.openxmlformats.org/drawingml/2006/main" xmlns:r="http://schemas.openxmlformats.org/officeDocument/2006/relationships" xmlns:p="http://schemas.openxmlformats.org/presentationml/2006/main">
   <p:cSld>
     <p:spTree>
@@ -39845,7 +40245,7 @@
             </a:pPr>
             <a:fld id="{00000000-1234-1234-1234-123412341234}" type="slidenum">
               <a:rPr lang="en"/>
-              <a:t>7</a:t>
+              <a:t>8</a:t>
             </a:fld>
             <a:endParaRPr/>
           </a:p>
@@ -40250,7 +40650,7 @@
 </p:sld>
 </file>
 
-<file path=ppt/slides/slide8.xml><?xml version="1.0" encoding="utf-8"?>
+<file path=ppt/slides/slide9.xml><?xml version="1.0" encoding="utf-8"?>
 <p:sld xmlns:a="http://schemas.openxmlformats.org/drawingml/2006/main" xmlns:r="http://schemas.openxmlformats.org/officeDocument/2006/relationships" xmlns:p="http://schemas.openxmlformats.org/presentationml/2006/main">
   <p:cSld>
     <p:spTree>
@@ -40368,7 +40768,7 @@
             </a:pPr>
             <a:fld id="{00000000-1234-1234-1234-123412341234}" type="slidenum">
               <a:rPr lang="en"/>
-              <a:t>8</a:t>
+              <a:t>9</a:t>
             </a:fld>
             <a:endParaRPr/>
           </a:p>
@@ -40799,281 +41199,6 @@
       </p:par>
     </p:tnLst>
   </p:timing>
-</p:sld>
-</file>
-
-<file path=ppt/slides/slide9.xml><?xml version="1.0" encoding="utf-8"?>
-<p:sld xmlns:a="http://schemas.openxmlformats.org/drawingml/2006/main" xmlns:r="http://schemas.openxmlformats.org/officeDocument/2006/relationships" xmlns:p="http://schemas.openxmlformats.org/presentationml/2006/main">
-  <p:cSld>
-    <p:spTree>
-      <p:nvGrpSpPr>
-        <p:cNvPr id="1" name="Shape 71"/>
-        <p:cNvGrpSpPr/>
-        <p:nvPr/>
-      </p:nvGrpSpPr>
-      <p:grpSpPr>
-        <a:xfrm>
-          <a:off x="0" y="0"/>
-          <a:ext cx="0" cy="0"/>
-          <a:chOff x="0" y="0"/>
-          <a:chExt cx="0" cy="0"/>
-        </a:xfrm>
-      </p:grpSpPr>
-      <p:sp>
-        <p:nvSpPr>
-          <p:cNvPr id="72" name="Google Shape;72;p15"/>
-          <p:cNvSpPr txBox="1">
-            <a:spLocks noGrp="1"/>
-          </p:cNvSpPr>
-          <p:nvPr>
-            <p:ph type="title"/>
-          </p:nvPr>
-        </p:nvSpPr>
-        <p:spPr>
-          <a:xfrm>
-            <a:off x="311700" y="445025"/>
-            <a:ext cx="8520600" cy="572700"/>
-          </a:xfrm>
-          <a:prstGeom prst="rect">
-            <a:avLst/>
-          </a:prstGeom>
-        </p:spPr>
-        <p:txBody>
-          <a:bodyPr spcFirstLastPara="1" wrap="square" lIns="91425" tIns="91425" rIns="91425" bIns="91425" anchor="t" anchorCtr="0">
-            <a:noAutofit/>
-          </a:bodyPr>
-          <a:lstStyle/>
-          <a:p>
-            <a:pPr marL="0" lvl="0" indent="0" algn="l" rtl="0">
-              <a:spcBef>
-                <a:spcPts val="0"/>
-              </a:spcBef>
-              <a:spcAft>
-                <a:spcPts val="0"/>
-              </a:spcAft>
-              <a:buNone/>
-            </a:pPr>
-            <a:r>
-              <a:rPr lang="en"/>
-              <a:t>Outline</a:t>
-            </a:r>
-            <a:endParaRPr/>
-          </a:p>
-        </p:txBody>
-      </p:sp>
-      <p:sp>
-        <p:nvSpPr>
-          <p:cNvPr id="73" name="Google Shape;73;p15"/>
-          <p:cNvSpPr txBox="1">
-            <a:spLocks noGrp="1"/>
-          </p:cNvSpPr>
-          <p:nvPr>
-            <p:ph type="body" idx="1"/>
-          </p:nvPr>
-        </p:nvSpPr>
-        <p:spPr>
-          <a:xfrm>
-            <a:off x="311700" y="1152475"/>
-            <a:ext cx="8520600" cy="3416400"/>
-          </a:xfrm>
-          <a:prstGeom prst="rect">
-            <a:avLst/>
-          </a:prstGeom>
-        </p:spPr>
-        <p:txBody>
-          <a:bodyPr spcFirstLastPara="1" wrap="square" lIns="91425" tIns="91425" rIns="91425" bIns="91425" anchor="t" anchorCtr="0">
-            <a:noAutofit/>
-          </a:bodyPr>
-          <a:lstStyle/>
-          <a:p>
-            <a:pPr marL="0" lvl="0" indent="0" algn="l" rtl="0">
-              <a:spcBef>
-                <a:spcPts val="0"/>
-              </a:spcBef>
-              <a:spcAft>
-                <a:spcPts val="0"/>
-              </a:spcAft>
-              <a:buNone/>
-            </a:pPr>
-            <a:r>
-              <a:rPr lang="en"/>
-              <a:t>Today, we are going to see some examples of different kinds of “words” and some properties of words:</a:t>
-            </a:r>
-            <a:endParaRPr/>
-          </a:p>
-          <a:p>
-            <a:pPr marL="457200" lvl="0" indent="-342900" algn="l" rtl="0">
-              <a:spcBef>
-                <a:spcPts val="1600"/>
-              </a:spcBef>
-              <a:spcAft>
-                <a:spcPts val="0"/>
-              </a:spcAft>
-              <a:buSzPts val="1800"/>
-              <a:buAutoNum type="arabicPeriod"/>
-            </a:pPr>
-            <a:r>
-              <a:rPr lang="en"/>
-              <a:t>Constants</a:t>
-            </a:r>
-            <a:endParaRPr/>
-          </a:p>
-          <a:p>
-            <a:pPr marL="457200" lvl="0" indent="-342900" algn="l" rtl="0">
-              <a:spcBef>
-                <a:spcPts val="0"/>
-              </a:spcBef>
-              <a:spcAft>
-                <a:spcPts val="0"/>
-              </a:spcAft>
-              <a:buSzPts val="1800"/>
-              <a:buAutoNum type="arabicPeriod"/>
-            </a:pPr>
-            <a:r>
-              <a:rPr lang="en"/>
-              <a:t>Variables</a:t>
-            </a:r>
-            <a:endParaRPr/>
-          </a:p>
-          <a:p>
-            <a:pPr marL="457200" lvl="0" indent="-342900" algn="l" rtl="0">
-              <a:spcBef>
-                <a:spcPts val="0"/>
-              </a:spcBef>
-              <a:spcAft>
-                <a:spcPts val="0"/>
-              </a:spcAft>
-              <a:buSzPts val="1800"/>
-              <a:buAutoNum type="arabicPeriod"/>
-            </a:pPr>
-            <a:r>
-              <a:rPr lang="en"/>
-              <a:t>Reserved  words</a:t>
-            </a:r>
-            <a:endParaRPr/>
-          </a:p>
-          <a:p>
-            <a:pPr marL="457200" lvl="0" indent="-342900" algn="l" rtl="0">
-              <a:spcBef>
-                <a:spcPts val="0"/>
-              </a:spcBef>
-              <a:spcAft>
-                <a:spcPts val="0"/>
-              </a:spcAft>
-              <a:buSzPts val="1800"/>
-              <a:buAutoNum type="arabicPeriod"/>
-            </a:pPr>
-            <a:r>
-              <a:rPr lang="en"/>
-              <a:t>Operators</a:t>
-            </a:r>
-            <a:endParaRPr/>
-          </a:p>
-          <a:p>
-            <a:pPr marL="457200" lvl="0" indent="-342900" algn="l" rtl="0">
-              <a:spcBef>
-                <a:spcPts val="0"/>
-              </a:spcBef>
-              <a:spcAft>
-                <a:spcPts val="0"/>
-              </a:spcAft>
-              <a:buSzPts val="1800"/>
-              <a:buAutoNum type="arabicPeriod"/>
-            </a:pPr>
-            <a:r>
-              <a:rPr lang="en"/>
-              <a:t>Data types</a:t>
-            </a:r>
-            <a:endParaRPr/>
-          </a:p>
-          <a:p>
-            <a:pPr marL="457200" lvl="0" indent="-342900" algn="l" rtl="0">
-              <a:spcBef>
-                <a:spcPts val="0"/>
-              </a:spcBef>
-              <a:spcAft>
-                <a:spcPts val="0"/>
-              </a:spcAft>
-              <a:buSzPts val="1800"/>
-              <a:buAutoNum type="arabicPeriod"/>
-            </a:pPr>
-            <a:r>
-              <a:rPr lang="en"/>
-              <a:t>Built-in functions</a:t>
-            </a:r>
-            <a:endParaRPr/>
-          </a:p>
-          <a:p>
-            <a:pPr marL="457200" lvl="0" indent="-342900" algn="l" rtl="0">
-              <a:spcBef>
-                <a:spcPts val="0"/>
-              </a:spcBef>
-              <a:spcAft>
-                <a:spcPts val="0"/>
-              </a:spcAft>
-              <a:buSzPts val="1800"/>
-              <a:buAutoNum type="arabicPeriod"/>
-            </a:pPr>
-            <a:r>
-              <a:rPr lang="en"/>
-              <a:t>Comments</a:t>
-            </a:r>
-            <a:endParaRPr/>
-          </a:p>
-        </p:txBody>
-      </p:sp>
-      <p:sp>
-        <p:nvSpPr>
-          <p:cNvPr id="74" name="Google Shape;74;p15"/>
-          <p:cNvSpPr txBox="1">
-            <a:spLocks noGrp="1"/>
-          </p:cNvSpPr>
-          <p:nvPr>
-            <p:ph type="sldNum" idx="12"/>
-          </p:nvPr>
-        </p:nvSpPr>
-        <p:spPr>
-          <a:xfrm>
-            <a:off x="8472458" y="4663217"/>
-            <a:ext cx="548700" cy="393600"/>
-          </a:xfrm>
-          <a:prstGeom prst="rect">
-            <a:avLst/>
-          </a:prstGeom>
-        </p:spPr>
-        <p:txBody>
-          <a:bodyPr spcFirstLastPara="1" wrap="square" lIns="91425" tIns="91425" rIns="91425" bIns="91425" anchor="ctr" anchorCtr="0">
-            <a:noAutofit/>
-          </a:bodyPr>
-          <a:lstStyle/>
-          <a:p>
-            <a:pPr marL="0" lvl="0" indent="0" algn="r" rtl="0">
-              <a:spcBef>
-                <a:spcPts val="0"/>
-              </a:spcBef>
-              <a:spcAft>
-                <a:spcPts val="0"/>
-              </a:spcAft>
-              <a:buClr>
-                <a:srgbClr val="000000"/>
-              </a:buClr>
-              <a:buSzPts val="1100"/>
-              <a:buFont typeface="Arial"/>
-              <a:buNone/>
-            </a:pPr>
-            <a:fld id="{00000000-1234-1234-1234-123412341234}" type="slidenum">
-              <a:rPr lang="en"/>
-              <a:t>9</a:t>
-            </a:fld>
-            <a:endParaRPr/>
-          </a:p>
-        </p:txBody>
-      </p:sp>
-    </p:spTree>
-  </p:cSld>
-  <p:clrMapOvr>
-    <a:masterClrMapping/>
-  </p:clrMapOvr>
 </p:sld>
 </file>
 
